--- a/Documents/Poster template.pptx
+++ b/Documents/Poster template.pptx
@@ -243,7 +243,7 @@
           <a:p>
             <a:fld id="{EBC92114-2DE2-4DBD-88F5-EC34E326FC88}" type="datetimeFigureOut">
               <a:rPr lang="he-IL" smtClean="0"/>
-              <a:t>ל'/ניסן/תשפ"א</a:t>
+              <a:t>י"ד/אייר/תשפ"א</a:t>
             </a:fld>
             <a:endParaRPr lang="he-IL"/>
           </a:p>
@@ -413,7 +413,7 @@
           <a:p>
             <a:fld id="{EBC92114-2DE2-4DBD-88F5-EC34E326FC88}" type="datetimeFigureOut">
               <a:rPr lang="he-IL" smtClean="0"/>
-              <a:t>ל'/ניסן/תשפ"א</a:t>
+              <a:t>י"ד/אייר/תשפ"א</a:t>
             </a:fld>
             <a:endParaRPr lang="he-IL"/>
           </a:p>
@@ -593,7 +593,7 @@
           <a:p>
             <a:fld id="{EBC92114-2DE2-4DBD-88F5-EC34E326FC88}" type="datetimeFigureOut">
               <a:rPr lang="he-IL" smtClean="0"/>
-              <a:t>ל'/ניסן/תשפ"א</a:t>
+              <a:t>י"ד/אייר/תשפ"א</a:t>
             </a:fld>
             <a:endParaRPr lang="he-IL"/>
           </a:p>
@@ -763,7 +763,7 @@
           <a:p>
             <a:fld id="{EBC92114-2DE2-4DBD-88F5-EC34E326FC88}" type="datetimeFigureOut">
               <a:rPr lang="he-IL" smtClean="0"/>
-              <a:t>ל'/ניסן/תשפ"א</a:t>
+              <a:t>י"ד/אייר/תשפ"א</a:t>
             </a:fld>
             <a:endParaRPr lang="he-IL"/>
           </a:p>
@@ -1007,7 +1007,7 @@
           <a:p>
             <a:fld id="{EBC92114-2DE2-4DBD-88F5-EC34E326FC88}" type="datetimeFigureOut">
               <a:rPr lang="he-IL" smtClean="0"/>
-              <a:t>ל'/ניסן/תשפ"א</a:t>
+              <a:t>י"ד/אייר/תשפ"א</a:t>
             </a:fld>
             <a:endParaRPr lang="he-IL"/>
           </a:p>
@@ -1239,7 +1239,7 @@
           <a:p>
             <a:fld id="{EBC92114-2DE2-4DBD-88F5-EC34E326FC88}" type="datetimeFigureOut">
               <a:rPr lang="he-IL" smtClean="0"/>
-              <a:t>ל'/ניסן/תשפ"א</a:t>
+              <a:t>י"ד/אייר/תשפ"א</a:t>
             </a:fld>
             <a:endParaRPr lang="he-IL"/>
           </a:p>
@@ -1606,7 +1606,7 @@
           <a:p>
             <a:fld id="{EBC92114-2DE2-4DBD-88F5-EC34E326FC88}" type="datetimeFigureOut">
               <a:rPr lang="he-IL" smtClean="0"/>
-              <a:t>ל'/ניסן/תשפ"א</a:t>
+              <a:t>י"ד/אייר/תשפ"א</a:t>
             </a:fld>
             <a:endParaRPr lang="he-IL"/>
           </a:p>
@@ -1724,7 +1724,7 @@
           <a:p>
             <a:fld id="{EBC92114-2DE2-4DBD-88F5-EC34E326FC88}" type="datetimeFigureOut">
               <a:rPr lang="he-IL" smtClean="0"/>
-              <a:t>ל'/ניסן/תשפ"א</a:t>
+              <a:t>י"ד/אייר/תשפ"א</a:t>
             </a:fld>
             <a:endParaRPr lang="he-IL"/>
           </a:p>
@@ -1819,7 +1819,7 @@
           <a:p>
             <a:fld id="{EBC92114-2DE2-4DBD-88F5-EC34E326FC88}" type="datetimeFigureOut">
               <a:rPr lang="he-IL" smtClean="0"/>
-              <a:t>ל'/ניסן/תשפ"א</a:t>
+              <a:t>י"ד/אייר/תשפ"א</a:t>
             </a:fld>
             <a:endParaRPr lang="he-IL"/>
           </a:p>
@@ -2096,7 +2096,7 @@
           <a:p>
             <a:fld id="{EBC92114-2DE2-4DBD-88F5-EC34E326FC88}" type="datetimeFigureOut">
               <a:rPr lang="he-IL" smtClean="0"/>
-              <a:t>ל'/ניסן/תשפ"א</a:t>
+              <a:t>י"ד/אייר/תשפ"א</a:t>
             </a:fld>
             <a:endParaRPr lang="he-IL"/>
           </a:p>
@@ -2353,7 +2353,7 @@
           <a:p>
             <a:fld id="{EBC92114-2DE2-4DBD-88F5-EC34E326FC88}" type="datetimeFigureOut">
               <a:rPr lang="he-IL" smtClean="0"/>
-              <a:t>ל'/ניסן/תשפ"א</a:t>
+              <a:t>י"ד/אייר/תשפ"א</a:t>
             </a:fld>
             <a:endParaRPr lang="he-IL"/>
           </a:p>
@@ -2566,7 +2566,7 @@
           <a:p>
             <a:fld id="{EBC92114-2DE2-4DBD-88F5-EC34E326FC88}" type="datetimeFigureOut">
               <a:rPr lang="he-IL" smtClean="0"/>
-              <a:t>ל'/ניסן/תשפ"א</a:t>
+              <a:t>י"ד/אייר/תשפ"א</a:t>
             </a:fld>
             <a:endParaRPr lang="he-IL"/>
           </a:p>
@@ -2980,14 +2980,14 @@
           <p:nvPr>
             <p:extLst>
               <p:ext uri="{D42A27DB-BD31-4B8C-83A1-F6EECF244321}">
-                <p14:modId xmlns:p14="http://schemas.microsoft.com/office/powerpoint/2010/main" val="1535713574"/>
+                <p14:modId xmlns:p14="http://schemas.microsoft.com/office/powerpoint/2010/main" val="1982698710"/>
               </p:ext>
             </p:extLst>
           </p:nvPr>
         </p:nvGraphicFramePr>
         <p:xfrm>
           <a:off x="384740" y="3698810"/>
-          <a:ext cx="35185420" cy="22433280"/>
+          <a:ext cx="35185420" cy="21501165"/>
         </p:xfrm>
         <a:graphic>
           <a:graphicData uri="http://schemas.openxmlformats.org/drawingml/2006/table">
@@ -3018,7 +3018,7 @@
                   </a:extLst>
                 </a:gridCol>
               </a:tblGrid>
-              <a:tr h="20868070">
+              <a:tr h="21501165">
                 <a:tc>
                   <a:txBody>
                     <a:bodyPr/>
@@ -3049,27 +3049,28 @@
                         </a:rPr>
                         <a:t>Introduction</a:t>
                       </a:r>
+                      <a:endParaRPr lang="en-US" sz="4800" b="1" dirty="0">
+                        <a:effectLst/>
+                        <a:latin typeface="+mn-lt"/>
+                        <a:cs typeface="Open Sans Hebrew" panose="00000500000000000000" pitchFamily="2" charset="-79"/>
+                      </a:endParaRPr>
                     </a:p>
                     <a:p>
-                      <a:pPr marL="0" marR="0" lvl="0" indent="0" algn="l" defTabSz="2519995" rtl="0" eaLnBrk="1" fontAlgn="auto" latinLnBrk="0" hangingPunct="1">
-                        <a:lnSpc>
-                          <a:spcPct val="100000"/>
-                        </a:lnSpc>
-                        <a:spcBef>
-                          <a:spcPts val="0"/>
-                        </a:spcBef>
-                        <a:spcAft>
-                          <a:spcPts val="0"/>
-                        </a:spcAft>
-                        <a:buClrTx/>
-                        <a:buSzTx/>
-                        <a:buFont typeface="Arial" panose="020B0604020202020204" pitchFamily="34" charset="0"/>
-                        <a:buNone/>
-                        <a:tabLst/>
-                        <a:defRPr/>
-                      </a:pPr>
+                      <a:pPr algn="just"/>
+                      <a:endParaRPr lang="en-US" sz="1400" kern="1200" baseline="0" dirty="0">
+                        <a:solidFill>
+                          <a:schemeClr val="tx1"/>
+                        </a:solidFill>
+                        <a:effectLst/>
+                        <a:latin typeface="+mn-lt"/>
+                        <a:ea typeface="+mn-ea"/>
+                        <a:cs typeface="Open Sans Hebrew" panose="00000500000000000000" pitchFamily="2" charset="-79"/>
+                      </a:endParaRPr>
+                    </a:p>
+                    <a:p>
+                      <a:pPr algn="just"/>
                       <a:r>
-                        <a:rPr lang="en-US" sz="3400" u="sng" kern="1200" dirty="0">
+                        <a:rPr lang="en-US" sz="3400" kern="1200" baseline="0" dirty="0">
                           <a:solidFill>
                             <a:schemeClr val="tx1"/>
                           </a:solidFill>
@@ -3078,19 +3079,22 @@
                           <a:ea typeface="+mn-ea"/>
                           <a:cs typeface="Open Sans Hebrew" panose="00000500000000000000" pitchFamily="2" charset="-79"/>
                         </a:rPr>
-                        <a:t>PAY</a:t>
+                        <a:t>In recent years image analyzing and recognition has become a vital feature in ever more applications, ranging from autonomous vehicles, security, healthcare and more. Convolution neural networks (CNN) algorithms are widely used in many such applications since their high accuracy for image recognition. However, with the high accuracy come long computation time and high </a:t>
                       </a:r>
                       <a:r>
-                        <a:rPr lang="en-US" sz="3400" u="sng" kern="1200" baseline="0" dirty="0">
+                        <a:rPr lang="en-US" sz="3400" kern="1200" baseline="0" dirty="0">
                           <a:solidFill>
                             <a:schemeClr val="tx1"/>
                           </a:solidFill>
                           <a:effectLst/>
+                          <a:highlight>
+                            <a:srgbClr val="FFFF00"/>
+                          </a:highlight>
                           <a:latin typeface="+mn-lt"/>
                           <a:ea typeface="+mn-ea"/>
                           <a:cs typeface="Open Sans Hebrew" panose="00000500000000000000" pitchFamily="2" charset="-79"/>
                         </a:rPr>
-                        <a:t> ATTENTION, this template may seem overloaded with text, this is only due to specifying the guidelines for creating the poster. Your poster should have only brief sentences and not too overloaded with text, such that, one will be able to read and understand your poster within 5 minutes</a:t>
+                        <a:t>power</a:t>
                       </a:r>
                       <a:r>
                         <a:rPr lang="en-US" sz="3400" kern="1200" baseline="0" dirty="0">
@@ -3102,393 +3106,7 @@
                           <a:ea typeface="+mn-ea"/>
                           <a:cs typeface="Open Sans Hebrew" panose="00000500000000000000" pitchFamily="2" charset="-79"/>
                         </a:rPr>
-                        <a:t>. Including images, graphs, tables, plots, block diagrams is highly recommended.</a:t>
-                      </a:r>
-                    </a:p>
-                    <a:p>
-                      <a:pPr marL="0" marR="0" lvl="0" indent="0" algn="l" defTabSz="2519995" rtl="0" eaLnBrk="1" fontAlgn="auto" latinLnBrk="0" hangingPunct="1">
-                        <a:lnSpc>
-                          <a:spcPct val="100000"/>
-                        </a:lnSpc>
-                        <a:spcBef>
-                          <a:spcPts val="0"/>
-                        </a:spcBef>
-                        <a:spcAft>
-                          <a:spcPts val="0"/>
-                        </a:spcAft>
-                        <a:buClrTx/>
-                        <a:buSzTx/>
-                        <a:buFont typeface="Arial" panose="020B0604020202020204" pitchFamily="34" charset="0"/>
-                        <a:buNone/>
-                        <a:tabLst/>
-                        <a:defRPr/>
-                      </a:pPr>
-                      <a:endParaRPr lang="en-US" sz="3400" kern="1200" dirty="0">
-                        <a:solidFill>
-                          <a:schemeClr val="tx1"/>
-                        </a:solidFill>
-                        <a:effectLst/>
-                        <a:latin typeface="+mn-lt"/>
-                        <a:ea typeface="+mn-ea"/>
-                        <a:cs typeface="Open Sans Hebrew" panose="00000500000000000000" pitchFamily="2" charset="-79"/>
-                      </a:endParaRPr>
-                    </a:p>
-                    <a:p>
-                      <a:pPr marL="457200" marR="0" lvl="0" indent="-457200" algn="l" defTabSz="2519995" rtl="0" eaLnBrk="1" fontAlgn="auto" latinLnBrk="0" hangingPunct="1">
-                        <a:lnSpc>
-                          <a:spcPct val="100000"/>
-                        </a:lnSpc>
-                        <a:spcBef>
-                          <a:spcPts val="0"/>
-                        </a:spcBef>
-                        <a:spcAft>
-                          <a:spcPts val="0"/>
-                        </a:spcAft>
-                        <a:buClrTx/>
-                        <a:buSzTx/>
-                        <a:buFont typeface="Arial" panose="020B0604020202020204" pitchFamily="34" charset="0"/>
-                        <a:buChar char="•"/>
-                        <a:tabLst/>
-                        <a:defRPr/>
-                      </a:pPr>
-                      <a:r>
-                        <a:rPr lang="en-US" sz="3400" kern="1200" dirty="0">
-                          <a:solidFill>
-                            <a:schemeClr val="tx1"/>
-                          </a:solidFill>
-                          <a:effectLst/>
-                          <a:latin typeface="+mn-lt"/>
-                          <a:ea typeface="+mn-ea"/>
-                          <a:cs typeface="Open Sans Hebrew" panose="00000500000000000000" pitchFamily="2" charset="-79"/>
-                        </a:rPr>
-                        <a:t>You may edit this section with the project details, plots, tables</a:t>
-                      </a:r>
-                      <a:r>
-                        <a:rPr lang="en-US" sz="3400" kern="1200" baseline="0" dirty="0">
-                          <a:solidFill>
-                            <a:schemeClr val="tx1"/>
-                          </a:solidFill>
-                          <a:effectLst/>
-                          <a:latin typeface="+mn-lt"/>
-                          <a:ea typeface="+mn-ea"/>
-                          <a:cs typeface="Open Sans Hebrew" panose="00000500000000000000" pitchFamily="2" charset="-79"/>
-                        </a:rPr>
-                        <a:t> </a:t>
-                      </a:r>
-                      <a:r>
-                        <a:rPr lang="en-US" sz="3400" kern="1200" dirty="0">
-                          <a:solidFill>
-                            <a:schemeClr val="tx1"/>
-                          </a:solidFill>
-                          <a:effectLst/>
-                          <a:latin typeface="+mn-lt"/>
-                          <a:ea typeface="+mn-ea"/>
-                          <a:cs typeface="Open Sans Hebrew" panose="00000500000000000000" pitchFamily="2" charset="-79"/>
-                        </a:rPr>
-                        <a:t>and images.</a:t>
-                      </a:r>
-                    </a:p>
-                    <a:p>
-                      <a:pPr marL="457200" marR="0" lvl="0" indent="-457200" algn="l" defTabSz="2519995" rtl="0" eaLnBrk="1" fontAlgn="auto" latinLnBrk="0" hangingPunct="1">
-                        <a:lnSpc>
-                          <a:spcPct val="100000"/>
-                        </a:lnSpc>
-                        <a:spcBef>
-                          <a:spcPts val="0"/>
-                        </a:spcBef>
-                        <a:spcAft>
-                          <a:spcPts val="0"/>
-                        </a:spcAft>
-                        <a:buClrTx/>
-                        <a:buSzTx/>
-                        <a:buFont typeface="Arial" panose="020B0604020202020204" pitchFamily="34" charset="0"/>
-                        <a:buChar char="•"/>
-                        <a:tabLst/>
-                        <a:defRPr/>
-                      </a:pPr>
-                      <a:r>
-                        <a:rPr lang="en-US" sz="3400" kern="1200" dirty="0">
-                          <a:solidFill>
-                            <a:schemeClr val="tx1"/>
-                          </a:solidFill>
-                          <a:effectLst/>
-                          <a:latin typeface="+mn-lt"/>
-                          <a:ea typeface="+mn-ea"/>
-                          <a:cs typeface="Open Sans Hebrew" panose="00000500000000000000" pitchFamily="2" charset="-79"/>
-                        </a:rPr>
-                        <a:t>THE</a:t>
-                      </a:r>
-                      <a:r>
-                        <a:rPr lang="en-US" sz="3400" kern="1200" baseline="0" dirty="0">
-                          <a:solidFill>
-                            <a:schemeClr val="tx1"/>
-                          </a:solidFill>
-                          <a:effectLst/>
-                          <a:latin typeface="+mn-lt"/>
-                          <a:ea typeface="+mn-ea"/>
-                          <a:cs typeface="Open Sans Hebrew" panose="00000500000000000000" pitchFamily="2" charset="-79"/>
-                        </a:rPr>
-                        <a:t> ENTIRE POSTER IS IN ENGLISH ONLY.</a:t>
-                      </a:r>
-                      <a:endParaRPr lang="en-US" sz="3400" kern="1200" dirty="0">
-                        <a:solidFill>
-                          <a:schemeClr val="tx1"/>
-                        </a:solidFill>
-                        <a:effectLst/>
-                        <a:latin typeface="+mn-lt"/>
-                        <a:ea typeface="+mn-ea"/>
-                        <a:cs typeface="Open Sans Hebrew" panose="00000500000000000000" pitchFamily="2" charset="-79"/>
-                      </a:endParaRPr>
-                    </a:p>
-                    <a:p>
-                      <a:pPr marL="457200" marR="0" lvl="0" indent="-457200" algn="l" defTabSz="2519995" rtl="0" eaLnBrk="1" fontAlgn="auto" latinLnBrk="0" hangingPunct="1">
-                        <a:lnSpc>
-                          <a:spcPct val="100000"/>
-                        </a:lnSpc>
-                        <a:spcBef>
-                          <a:spcPts val="0"/>
-                        </a:spcBef>
-                        <a:spcAft>
-                          <a:spcPts val="0"/>
-                        </a:spcAft>
-                        <a:buClrTx/>
-                        <a:buSzTx/>
-                        <a:buFont typeface="Arial" panose="020B0604020202020204" pitchFamily="34" charset="0"/>
-                        <a:buChar char="•"/>
-                        <a:tabLst/>
-                        <a:defRPr/>
-                      </a:pPr>
-                      <a:r>
-                        <a:rPr lang="en-US" sz="3400" dirty="0">
-                          <a:effectLst/>
-                          <a:latin typeface="+mn-lt"/>
-                          <a:cs typeface="Open Sans Hebrew" panose="00000500000000000000" pitchFamily="2" charset="-79"/>
-                        </a:rPr>
-                        <a:t>The recommendation is to use</a:t>
-                      </a:r>
-                      <a:r>
-                        <a:rPr lang="en-US" sz="3400" baseline="0" dirty="0">
-                          <a:effectLst/>
-                          <a:latin typeface="+mn-lt"/>
-                          <a:cs typeface="Open Sans Hebrew" panose="00000500000000000000" pitchFamily="2" charset="-79"/>
-                        </a:rPr>
-                        <a:t> 2-3 columns for the entire poster.</a:t>
-                      </a:r>
-                    </a:p>
-                    <a:p>
-                      <a:pPr marL="457200" marR="0" lvl="0" indent="-457200" algn="l" defTabSz="2519995" rtl="0" eaLnBrk="1" fontAlgn="auto" latinLnBrk="0" hangingPunct="1">
-                        <a:lnSpc>
-                          <a:spcPct val="100000"/>
-                        </a:lnSpc>
-                        <a:spcBef>
-                          <a:spcPts val="0"/>
-                        </a:spcBef>
-                        <a:spcAft>
-                          <a:spcPts val="0"/>
-                        </a:spcAft>
-                        <a:buClrTx/>
-                        <a:buSzTx/>
-                        <a:buFont typeface="Arial" panose="020B0604020202020204" pitchFamily="34" charset="0"/>
-                        <a:buChar char="•"/>
-                        <a:tabLst/>
-                        <a:defRPr/>
-                      </a:pPr>
-                      <a:r>
-                        <a:rPr lang="en-US" sz="3400" baseline="0" dirty="0">
-                          <a:effectLst/>
-                          <a:latin typeface="+mn-lt"/>
-                          <a:cs typeface="Open Sans Hebrew" panose="00000500000000000000" pitchFamily="2" charset="-79"/>
-                        </a:rPr>
-                        <a:t>You may change this 3 column structure to another structure if it helps present your project.</a:t>
-                      </a:r>
-                    </a:p>
-                    <a:p>
-                      <a:pPr marL="457200" marR="0" lvl="0" indent="-457200" algn="l" defTabSz="2519995" rtl="0" eaLnBrk="1" fontAlgn="auto" latinLnBrk="0" hangingPunct="1">
-                        <a:lnSpc>
-                          <a:spcPct val="100000"/>
-                        </a:lnSpc>
-                        <a:spcBef>
-                          <a:spcPts val="0"/>
-                        </a:spcBef>
-                        <a:spcAft>
-                          <a:spcPts val="0"/>
-                        </a:spcAft>
-                        <a:buClrTx/>
-                        <a:buSzTx/>
-                        <a:buFont typeface="Arial" panose="020B0604020202020204" pitchFamily="34" charset="0"/>
-                        <a:buChar char="•"/>
-                        <a:tabLst/>
-                        <a:defRPr/>
-                      </a:pPr>
-                      <a:r>
-                        <a:rPr lang="en-US" sz="3400" baseline="0" dirty="0">
-                          <a:effectLst/>
-                          <a:latin typeface="+mn-lt"/>
-                          <a:cs typeface="Open Sans Hebrew" panose="00000500000000000000" pitchFamily="2" charset="-79"/>
-                        </a:rPr>
-                        <a:t>Pay attention to the font Calibri) and the font size.</a:t>
-                      </a:r>
-                    </a:p>
-                    <a:p>
-                      <a:pPr marL="457200" marR="0" lvl="0" indent="-457200" algn="l" defTabSz="2519995" rtl="0" eaLnBrk="1" fontAlgn="auto" latinLnBrk="0" hangingPunct="1">
-                        <a:lnSpc>
-                          <a:spcPct val="100000"/>
-                        </a:lnSpc>
-                        <a:spcBef>
-                          <a:spcPts val="0"/>
-                        </a:spcBef>
-                        <a:spcAft>
-                          <a:spcPts val="0"/>
-                        </a:spcAft>
-                        <a:buClrTx/>
-                        <a:buSzTx/>
-                        <a:buFont typeface="Arial" panose="020B0604020202020204" pitchFamily="34" charset="0"/>
-                        <a:buChar char="•"/>
-                        <a:tabLst/>
-                        <a:defRPr/>
-                      </a:pPr>
-                      <a:r>
-                        <a:rPr lang="en-US" sz="3400" baseline="0" dirty="0">
-                          <a:effectLst/>
-                          <a:latin typeface="+mn-lt"/>
-                          <a:cs typeface="Open Sans Hebrew" panose="00000500000000000000" pitchFamily="2" charset="-79"/>
-                        </a:rPr>
-                        <a:t>All the suggested topics (Introduction, Motivation, Methods, Results, Conclusions, Bibliography) are only a recommendation and may be changed according to your project. </a:t>
-                      </a:r>
-                    </a:p>
-                    <a:p>
-                      <a:pPr marL="457200" marR="0" lvl="0" indent="-457200" algn="l" defTabSz="2519995" rtl="0" eaLnBrk="1" fontAlgn="auto" latinLnBrk="0" hangingPunct="1">
-                        <a:lnSpc>
-                          <a:spcPct val="100000"/>
-                        </a:lnSpc>
-                        <a:spcBef>
-                          <a:spcPts val="0"/>
-                        </a:spcBef>
-                        <a:spcAft>
-                          <a:spcPts val="0"/>
-                        </a:spcAft>
-                        <a:buClrTx/>
-                        <a:buSzTx/>
-                        <a:buFont typeface="Arial" panose="020B0604020202020204" pitchFamily="34" charset="0"/>
-                        <a:buChar char="•"/>
-                        <a:tabLst/>
-                        <a:defRPr/>
-                      </a:pPr>
-                      <a:r>
-                        <a:rPr lang="en-US" sz="3400" baseline="0" dirty="0">
-                          <a:effectLst/>
-                          <a:latin typeface="+mn-lt"/>
-                          <a:cs typeface="Open Sans Hebrew" panose="00000500000000000000" pitchFamily="2" charset="-79"/>
-                        </a:rPr>
-                        <a:t>Pay attention that your poster should be editable including all text editable.</a:t>
-                      </a:r>
-                    </a:p>
-                    <a:p>
-                      <a:pPr marL="457200" marR="0" lvl="0" indent="-457200" algn="l" defTabSz="2519995" rtl="0" eaLnBrk="1" fontAlgn="auto" latinLnBrk="0" hangingPunct="1">
-                        <a:lnSpc>
-                          <a:spcPct val="100000"/>
-                        </a:lnSpc>
-                        <a:spcBef>
-                          <a:spcPts val="0"/>
-                        </a:spcBef>
-                        <a:spcAft>
-                          <a:spcPts val="0"/>
-                        </a:spcAft>
-                        <a:buClrTx/>
-                        <a:buSzTx/>
-                        <a:buFont typeface="Arial" panose="020B0604020202020204" pitchFamily="34" charset="0"/>
-                        <a:buChar char="•"/>
-                        <a:tabLst/>
-                        <a:defRPr/>
-                      </a:pPr>
-                      <a:r>
-                        <a:rPr lang="en-US" sz="3400" baseline="0" dirty="0">
-                          <a:effectLst/>
-                          <a:latin typeface="+mn-lt"/>
-                          <a:cs typeface="Open Sans Hebrew" panose="00000500000000000000" pitchFamily="2" charset="-79"/>
-                        </a:rPr>
-                        <a:t>You may change the color and image of the background.</a:t>
-                      </a:r>
-                    </a:p>
-                    <a:p>
-                      <a:pPr marL="457200" marR="0" lvl="0" indent="-457200" algn="l" defTabSz="2519995" rtl="0" eaLnBrk="1" fontAlgn="auto" latinLnBrk="0" hangingPunct="1">
-                        <a:lnSpc>
-                          <a:spcPct val="100000"/>
-                        </a:lnSpc>
-                        <a:spcBef>
-                          <a:spcPts val="0"/>
-                        </a:spcBef>
-                        <a:spcAft>
-                          <a:spcPts val="0"/>
-                        </a:spcAft>
-                        <a:buClrTx/>
-                        <a:buSzTx/>
-                        <a:buFont typeface="Arial" panose="020B0604020202020204" pitchFamily="34" charset="0"/>
-                        <a:buChar char="•"/>
-                        <a:tabLst/>
-                        <a:defRPr/>
-                      </a:pPr>
-                      <a:r>
-                        <a:rPr lang="en-US" sz="3400" baseline="0" dirty="0">
-                          <a:effectLst/>
-                          <a:latin typeface="+mn-lt"/>
-                          <a:cs typeface="Open Sans Hebrew" panose="00000500000000000000" pitchFamily="2" charset="-79"/>
-                        </a:rPr>
-                        <a:t>You may change the color of the text, make sure it is readable.</a:t>
-                      </a:r>
-                    </a:p>
-                    <a:p>
-                      <a:pPr marL="457200" marR="0" lvl="0" indent="-457200" algn="l" defTabSz="2519995" rtl="0" eaLnBrk="1" fontAlgn="auto" latinLnBrk="0" hangingPunct="1">
-                        <a:lnSpc>
-                          <a:spcPct val="100000"/>
-                        </a:lnSpc>
-                        <a:spcBef>
-                          <a:spcPts val="0"/>
-                        </a:spcBef>
-                        <a:spcAft>
-                          <a:spcPts val="0"/>
-                        </a:spcAft>
-                        <a:buClrTx/>
-                        <a:buSzTx/>
-                        <a:buFont typeface="Arial" panose="020B0604020202020204" pitchFamily="34" charset="0"/>
-                        <a:buChar char="•"/>
-                        <a:tabLst/>
-                        <a:defRPr/>
-                      </a:pPr>
-                      <a:r>
-                        <a:rPr lang="en-US" sz="3400" baseline="0" dirty="0">
-                          <a:effectLst/>
-                          <a:latin typeface="+mn-lt"/>
-                          <a:cs typeface="Open Sans Hebrew" panose="00000500000000000000" pitchFamily="2" charset="-79"/>
-                        </a:rPr>
-                        <a:t>The poster size is set to height 70cm, width 100cm (landscape), DO NOT CHANGE THAT.</a:t>
-                      </a:r>
-                    </a:p>
-                    <a:p>
-                      <a:pPr marL="457200" marR="0" lvl="0" indent="-457200" algn="l" defTabSz="2519995" rtl="0" eaLnBrk="1" fontAlgn="auto" latinLnBrk="0" hangingPunct="1">
-                        <a:lnSpc>
-                          <a:spcPct val="100000"/>
-                        </a:lnSpc>
-                        <a:spcBef>
-                          <a:spcPts val="0"/>
-                        </a:spcBef>
-                        <a:spcAft>
-                          <a:spcPts val="0"/>
-                        </a:spcAft>
-                        <a:buClrTx/>
-                        <a:buSzTx/>
-                        <a:buFont typeface="Arial" panose="020B0604020202020204" pitchFamily="34" charset="0"/>
-                        <a:buChar char="•"/>
-                        <a:tabLst/>
-                        <a:defRPr/>
-                      </a:pPr>
-                      <a:r>
-                        <a:rPr lang="en-US" sz="3400" baseline="0" dirty="0">
-                          <a:effectLst/>
-                          <a:latin typeface="+mn-lt"/>
-                          <a:cs typeface="Open Sans Hebrew" panose="00000500000000000000" pitchFamily="2" charset="-79"/>
-                        </a:rPr>
-                        <a:t>Do not change the location of the symbols, logos, and the project title (with the number and names)</a:t>
+                        <a:t> needs. The need to include such image recognition capabilities in embedded systems with tight real-time and power constraints, lead the design for hardware accelerators for CNNs. An FPGA based CNN accelerator was implemented in this project.</a:t>
                       </a:r>
                     </a:p>
                     <a:p>
@@ -3547,39 +3165,23 @@
                           <a:ea typeface="+mn-ea"/>
                           <a:cs typeface="Open Sans Hebrew" panose="00000500000000000000" pitchFamily="2" charset="-79"/>
                         </a:rPr>
-                        <a:t>Motivation/Objectives</a:t>
+                        <a:t>Objectives</a:t>
                       </a:r>
                     </a:p>
                     <a:p>
-                      <a:pPr marL="0" marR="0" lvl="0" indent="0" algn="l" defTabSz="2519995" rtl="0" eaLnBrk="1" fontAlgn="auto" latinLnBrk="0" hangingPunct="1">
-                        <a:lnSpc>
-                          <a:spcPct val="100000"/>
-                        </a:lnSpc>
-                        <a:spcBef>
-                          <a:spcPts val="0"/>
-                        </a:spcBef>
-                        <a:spcAft>
-                          <a:spcPts val="0"/>
-                        </a:spcAft>
-                        <a:buClrTx/>
-                        <a:buSzTx/>
-                        <a:buFontTx/>
-                        <a:buNone/>
-                        <a:tabLst/>
-                        <a:defRPr/>
-                      </a:pPr>
-                      <a:r>
-                        <a:rPr lang="en-US" sz="3400" kern="1200" dirty="0">
-                          <a:solidFill>
-                            <a:schemeClr val="tx1"/>
-                          </a:solidFill>
-                          <a:effectLst/>
-                          <a:latin typeface="+mn-lt"/>
-                          <a:ea typeface="+mn-ea"/>
-                          <a:cs typeface="Open Sans Hebrew" panose="00000500000000000000" pitchFamily="2" charset="-79"/>
-                        </a:rPr>
-                        <a:t>If you use the</a:t>
-                      </a:r>
+                      <a:pPr algn="just"/>
+                      <a:endParaRPr lang="en-US" sz="1400" kern="1200" baseline="0" dirty="0">
+                        <a:solidFill>
+                          <a:schemeClr val="tx1"/>
+                        </a:solidFill>
+                        <a:effectLst/>
+                        <a:latin typeface="+mn-lt"/>
+                        <a:ea typeface="+mn-ea"/>
+                        <a:cs typeface="Open Sans Hebrew" panose="00000500000000000000" pitchFamily="2" charset="-79"/>
+                      </a:endParaRPr>
+                    </a:p>
+                    <a:p>
+                      <a:pPr algn="just"/>
                       <a:r>
                         <a:rPr lang="en-US" sz="3400" kern="1200" baseline="0" dirty="0">
                           <a:solidFill>
@@ -3590,99 +3192,11 @@
                           <a:ea typeface="+mn-ea"/>
                           <a:cs typeface="Open Sans Hebrew" panose="00000500000000000000" pitchFamily="2" charset="-79"/>
                         </a:rPr>
-                        <a:t> “motivation/objectives” topic, please omit the undesired title for this topic – for example, use just Objectives as the title for this topic.</a:t>
+                        <a:t>Talk about CNN configuration, and how acceleration is/can be achieved</a:t>
                       </a:r>
                     </a:p>
-                    <a:p>
-                      <a:pPr marL="0" marR="0" lvl="0" indent="0" algn="l" defTabSz="2519995" rtl="0" eaLnBrk="1" fontAlgn="auto" latinLnBrk="0" hangingPunct="1">
-                        <a:lnSpc>
-                          <a:spcPct val="100000"/>
-                        </a:lnSpc>
-                        <a:spcBef>
-                          <a:spcPts val="0"/>
-                        </a:spcBef>
-                        <a:spcAft>
-                          <a:spcPts val="0"/>
-                        </a:spcAft>
-                        <a:buClrTx/>
-                        <a:buSzTx/>
-                        <a:buFontTx/>
-                        <a:buNone/>
-                        <a:tabLst/>
-                        <a:defRPr/>
-                      </a:pPr>
-                      <a:endParaRPr lang="en-US" sz="3200" kern="1200" dirty="0">
-                        <a:solidFill>
-                          <a:schemeClr val="tx1"/>
-                        </a:solidFill>
-                        <a:effectLst/>
-                        <a:latin typeface="+mn-lt"/>
-                        <a:ea typeface="+mn-ea"/>
-                        <a:cs typeface="Open Sans Hebrew" panose="00000500000000000000" pitchFamily="2" charset="-79"/>
-                      </a:endParaRPr>
-                    </a:p>
-                    <a:p>
-                      <a:pPr marL="0" marR="0" lvl="0" indent="0" algn="l" defTabSz="2519995" rtl="0" eaLnBrk="1" fontAlgn="auto" latinLnBrk="0" hangingPunct="1">
-                        <a:lnSpc>
-                          <a:spcPct val="100000"/>
-                        </a:lnSpc>
-                        <a:spcBef>
-                          <a:spcPts val="0"/>
-                        </a:spcBef>
-                        <a:spcAft>
-                          <a:spcPts val="0"/>
-                        </a:spcAft>
-                        <a:buClrTx/>
-                        <a:buSzTx/>
-                        <a:buFontTx/>
-                        <a:buNone/>
-                        <a:tabLst/>
-                        <a:defRPr/>
-                      </a:pPr>
-                      <a:r>
-                        <a:rPr lang="en-US" sz="3400" kern="1200" dirty="0">
-                          <a:solidFill>
-                            <a:schemeClr val="tx1"/>
-                          </a:solidFill>
-                          <a:effectLst/>
-                          <a:latin typeface="+mn-lt"/>
-                          <a:ea typeface="+mn-ea"/>
-                          <a:cs typeface="Open Sans Hebrew" panose="00000500000000000000" pitchFamily="2" charset="-79"/>
-                        </a:rPr>
-                        <a:t>Here we can also see an example, that even</a:t>
-                      </a:r>
-                      <a:r>
-                        <a:rPr lang="en-US" sz="3400" kern="1200" baseline="0" dirty="0">
-                          <a:solidFill>
-                            <a:schemeClr val="tx1"/>
-                          </a:solidFill>
-                          <a:effectLst/>
-                          <a:latin typeface="+mn-lt"/>
-                          <a:ea typeface="+mn-ea"/>
-                          <a:cs typeface="Open Sans Hebrew" panose="00000500000000000000" pitchFamily="2" charset="-79"/>
-                        </a:rPr>
-                        <a:t> though the column text space ends here, we may still continue </a:t>
-                      </a:r>
-                      <a:r>
-                        <a:rPr lang="en-US" sz="3400" kern="1200" dirty="0">
-                          <a:solidFill>
-                            <a:schemeClr val="tx1"/>
-                          </a:solidFill>
-                          <a:effectLst/>
-                          <a:latin typeface="+mn-lt"/>
-                          <a:ea typeface="+mn-ea"/>
-                          <a:cs typeface="Open Sans Hebrew" panose="00000500000000000000" pitchFamily="2" charset="-79"/>
-                        </a:rPr>
-                        <a:t>elaborating on this </a:t>
-                      </a:r>
-                      <a:endParaRPr lang="en-US" sz="3400" baseline="0" dirty="0">
-                        <a:effectLst/>
-                        <a:latin typeface="+mn-lt"/>
-                        <a:cs typeface="Open Sans Hebrew" panose="00000500000000000000" pitchFamily="2" charset="-79"/>
-                      </a:endParaRPr>
-                    </a:p>
                   </a:txBody>
-                  <a:tcPr marL="137160" marR="137160" marT="137160" marB="137160">
+                  <a:tcPr marL="365760" marR="365760" marT="365760" marB="182880">
                     <a:lnL w="12700" cap="flat" cmpd="sng" algn="ctr">
                       <a:noFill/>
                       <a:prstDash val="solid"/>
@@ -3744,7 +3258,7 @@
                         <a:defRPr/>
                       </a:pPr>
                       <a:r>
-                        <a:rPr lang="en-US" sz="3400" kern="1200" dirty="0">
+                        <a:rPr lang="en-US" sz="5400" b="1" kern="1200" dirty="0">
                           <a:solidFill>
                             <a:schemeClr val="tx1"/>
                           </a:solidFill>
@@ -3753,28 +3267,9 @@
                           <a:ea typeface="+mn-ea"/>
                           <a:cs typeface="Open Sans Hebrew" panose="00000500000000000000" pitchFamily="2" charset="-79"/>
                         </a:rPr>
-                        <a:t>topic immediately in the next column.</a:t>
+                        <a:t>Implementation</a:t>
                       </a:r>
-                    </a:p>
-                    <a:p>
-                      <a:pPr marL="0" marR="0" lvl="0" indent="0" algn="l" defTabSz="2519995" rtl="0" eaLnBrk="1" fontAlgn="auto" latinLnBrk="0" hangingPunct="1">
-                        <a:lnSpc>
-                          <a:spcPct val="100000"/>
-                        </a:lnSpc>
-                        <a:spcBef>
-                          <a:spcPts val="0"/>
-                        </a:spcBef>
-                        <a:spcAft>
-                          <a:spcPts val="0"/>
-                        </a:spcAft>
-                        <a:buClrTx/>
-                        <a:buSzTx/>
-                        <a:buFontTx/>
-                        <a:buNone/>
-                        <a:tabLst/>
-                        <a:defRPr/>
-                      </a:pPr>
-                      <a:endParaRPr lang="en-US" sz="3400" b="1" kern="1200" dirty="0">
+                      <a:endParaRPr lang="en-US" sz="3400" kern="1200" dirty="0">
                         <a:solidFill>
                           <a:schemeClr val="tx1"/>
                         </a:solidFill>
@@ -3802,18 +3297,15 @@
                         <a:tabLst/>
                         <a:defRPr/>
                       </a:pPr>
-                      <a:r>
-                        <a:rPr lang="en-US" sz="5400" b="1" kern="1200" dirty="0">
-                          <a:solidFill>
-                            <a:schemeClr val="tx1"/>
-                          </a:solidFill>
-                          <a:effectLst/>
-                          <a:latin typeface="+mn-lt"/>
-                          <a:ea typeface="+mn-ea"/>
-                          <a:cs typeface="Open Sans Hebrew" panose="00000500000000000000" pitchFamily="2" charset="-79"/>
-                        </a:rPr>
-                        <a:t>Methods/Implementation</a:t>
-                      </a:r>
+                      <a:endParaRPr lang="en-US" sz="1400" kern="1200" dirty="0">
+                        <a:solidFill>
+                          <a:schemeClr val="tx1"/>
+                        </a:solidFill>
+                        <a:effectLst/>
+                        <a:latin typeface="+mn-lt"/>
+                        <a:ea typeface="+mn-ea"/>
+                        <a:cs typeface="Open Sans Hebrew" panose="00000500000000000000" pitchFamily="2" charset="-79"/>
+                      </a:endParaRPr>
                     </a:p>
                     <a:p>
                       <a:pPr marL="0" marR="0" lvl="0" indent="0" algn="l" defTabSz="2519995" rtl="0" eaLnBrk="1" fontAlgn="auto" latinLnBrk="0" hangingPunct="1">
@@ -3834,29 +3326,37 @@
                         <a:defRPr/>
                       </a:pPr>
                       <a:r>
-                        <a:rPr lang="en-US" sz="3400" kern="1200" dirty="0">
-                          <a:solidFill>
-                            <a:schemeClr val="tx1"/>
-                          </a:solidFill>
+                        <a:rPr lang="en-US" sz="3200" baseline="0" dirty="0">
                           <a:effectLst/>
                           <a:latin typeface="+mn-lt"/>
-                          <a:ea typeface="+mn-ea"/>
                           <a:cs typeface="Open Sans Hebrew" panose="00000500000000000000" pitchFamily="2" charset="-79"/>
                         </a:rPr>
-                        <a:t>Here we can see an example of text followed</a:t>
+                        <a:t>PL, PS …</a:t>
                       </a:r>
-                      <a:r>
-                        <a:rPr lang="en-US" sz="3400" kern="1200" baseline="0" dirty="0">
-                          <a:solidFill>
-                            <a:schemeClr val="tx1"/>
-                          </a:solidFill>
-                          <a:effectLst/>
-                          <a:latin typeface="+mn-lt"/>
-                          <a:ea typeface="+mn-ea"/>
-                          <a:cs typeface="Open Sans Hebrew" panose="00000500000000000000" pitchFamily="2" charset="-79"/>
-                        </a:rPr>
-                        <a:t> by an example block diagram that helps in presenting the project implementation. You may also include formulas, images, designs etc..</a:t>
-                      </a:r>
+                    </a:p>
+                    <a:p>
+                      <a:pPr marL="0" marR="0" lvl="0" indent="0" algn="l" defTabSz="2519995" rtl="0" eaLnBrk="1" fontAlgn="auto" latinLnBrk="0" hangingPunct="1">
+                        <a:lnSpc>
+                          <a:spcPct val="100000"/>
+                        </a:lnSpc>
+                        <a:spcBef>
+                          <a:spcPts val="0"/>
+                        </a:spcBef>
+                        <a:spcAft>
+                          <a:spcPts val="0"/>
+                        </a:spcAft>
+                        <a:buClrTx/>
+                        <a:buSzTx/>
+                        <a:buFontTx/>
+                        <a:buNone/>
+                        <a:tabLst/>
+                        <a:defRPr/>
+                      </a:pPr>
+                      <a:endParaRPr lang="en-US" sz="3200" baseline="0" dirty="0">
+                        <a:effectLst/>
+                        <a:latin typeface="+mn-lt"/>
+                        <a:cs typeface="Open Sans Hebrew" panose="00000500000000000000" pitchFamily="2" charset="-79"/>
+                      </a:endParaRPr>
                     </a:p>
                     <a:p>
                       <a:pPr marL="0" marR="0" lvl="0" indent="0" algn="l" defTabSz="2519995" rtl="0" eaLnBrk="1" fontAlgn="auto" latinLnBrk="0" hangingPunct="1">
@@ -3877,45 +3377,13 @@
                         <a:defRPr/>
                       </a:pPr>
                       <a:r>
-                        <a:rPr lang="en-US" sz="3400" kern="1200" baseline="0" dirty="0">
-                          <a:solidFill>
-                            <a:schemeClr val="tx1"/>
-                          </a:solidFill>
+                        <a:rPr lang="en-US" sz="3200" baseline="0" dirty="0">
                           <a:effectLst/>
                           <a:latin typeface="+mn-lt"/>
-                          <a:ea typeface="+mn-ea"/>
                           <a:cs typeface="Open Sans Hebrew" panose="00000500000000000000" pitchFamily="2" charset="-79"/>
                         </a:rPr>
-                        <a:t>Make sure those are readable and with reasonable font sizes.</a:t>
+                        <a:t>Also talk about simulation</a:t>
                       </a:r>
-                    </a:p>
-                    <a:p>
-                      <a:pPr marL="0" marR="0" lvl="0" indent="0" algn="l" defTabSz="2519995" rtl="0" eaLnBrk="1" fontAlgn="auto" latinLnBrk="0" hangingPunct="1">
-                        <a:lnSpc>
-                          <a:spcPct val="100000"/>
-                        </a:lnSpc>
-                        <a:spcBef>
-                          <a:spcPts val="0"/>
-                        </a:spcBef>
-                        <a:spcAft>
-                          <a:spcPts val="0"/>
-                        </a:spcAft>
-                        <a:buClrTx/>
-                        <a:buSzTx/>
-                        <a:buFontTx/>
-                        <a:buNone/>
-                        <a:tabLst/>
-                        <a:defRPr/>
-                      </a:pPr>
-                      <a:endParaRPr lang="en-US" sz="3200" kern="1200" baseline="0" dirty="0">
-                        <a:solidFill>
-                          <a:schemeClr val="tx1"/>
-                        </a:solidFill>
-                        <a:effectLst/>
-                        <a:latin typeface="+mn-lt"/>
-                        <a:ea typeface="+mn-ea"/>
-                        <a:cs typeface="Open Sans Hebrew" panose="00000500000000000000" pitchFamily="2" charset="-79"/>
-                      </a:endParaRPr>
                     </a:p>
                     <a:p>
                       <a:pPr marL="0" marR="0" lvl="0" indent="0" algn="l" defTabSz="2519995" rtl="0" eaLnBrk="1" fontAlgn="auto" latinLnBrk="0" hangingPunct="1">
@@ -4068,6 +3536,146 @@
                         <a:defRPr/>
                       </a:pPr>
                       <a:endParaRPr lang="en-US" sz="3200" b="1" kern="1200" dirty="0">
+                        <a:solidFill>
+                          <a:schemeClr val="tx1"/>
+                        </a:solidFill>
+                        <a:effectLst/>
+                        <a:latin typeface="+mn-lt"/>
+                        <a:ea typeface="+mn-ea"/>
+                        <a:cs typeface="Open Sans Hebrew" panose="00000500000000000000" pitchFamily="2" charset="-79"/>
+                      </a:endParaRPr>
+                    </a:p>
+                    <a:p>
+                      <a:pPr marL="0" marR="0" lvl="0" indent="0" algn="l" defTabSz="2519995" rtl="0" eaLnBrk="1" fontAlgn="auto" latinLnBrk="0" hangingPunct="1">
+                        <a:lnSpc>
+                          <a:spcPct val="100000"/>
+                        </a:lnSpc>
+                        <a:spcBef>
+                          <a:spcPts val="0"/>
+                        </a:spcBef>
+                        <a:spcAft>
+                          <a:spcPts val="0"/>
+                        </a:spcAft>
+                        <a:buClrTx/>
+                        <a:buSzTx/>
+                        <a:buFontTx/>
+                        <a:buNone/>
+                        <a:tabLst/>
+                        <a:defRPr/>
+                      </a:pPr>
+                      <a:endParaRPr lang="en-US" sz="5400" b="1" kern="1200" dirty="0">
+                        <a:solidFill>
+                          <a:schemeClr val="tx1"/>
+                        </a:solidFill>
+                        <a:effectLst/>
+                        <a:latin typeface="+mn-lt"/>
+                        <a:ea typeface="+mn-ea"/>
+                        <a:cs typeface="Open Sans Hebrew" panose="00000500000000000000" pitchFamily="2" charset="-79"/>
+                      </a:endParaRPr>
+                    </a:p>
+                    <a:p>
+                      <a:pPr marL="0" marR="0" lvl="0" indent="0" algn="l" defTabSz="2519995" rtl="0" eaLnBrk="1" fontAlgn="auto" latinLnBrk="0" hangingPunct="1">
+                        <a:lnSpc>
+                          <a:spcPct val="100000"/>
+                        </a:lnSpc>
+                        <a:spcBef>
+                          <a:spcPts val="0"/>
+                        </a:spcBef>
+                        <a:spcAft>
+                          <a:spcPts val="0"/>
+                        </a:spcAft>
+                        <a:buClrTx/>
+                        <a:buSzTx/>
+                        <a:buFontTx/>
+                        <a:buNone/>
+                        <a:tabLst/>
+                        <a:defRPr/>
+                      </a:pPr>
+                      <a:endParaRPr lang="en-US" sz="5400" b="1" kern="1200" dirty="0">
+                        <a:solidFill>
+                          <a:schemeClr val="tx1"/>
+                        </a:solidFill>
+                        <a:effectLst/>
+                        <a:latin typeface="+mn-lt"/>
+                        <a:ea typeface="+mn-ea"/>
+                        <a:cs typeface="Open Sans Hebrew" panose="00000500000000000000" pitchFamily="2" charset="-79"/>
+                      </a:endParaRPr>
+                    </a:p>
+                    <a:p>
+                      <a:pPr marL="0" marR="0" lvl="0" indent="0" algn="l" defTabSz="2519995" rtl="0" eaLnBrk="1" fontAlgn="auto" latinLnBrk="0" hangingPunct="1">
+                        <a:lnSpc>
+                          <a:spcPct val="100000"/>
+                        </a:lnSpc>
+                        <a:spcBef>
+                          <a:spcPts val="0"/>
+                        </a:spcBef>
+                        <a:spcAft>
+                          <a:spcPts val="0"/>
+                        </a:spcAft>
+                        <a:buClrTx/>
+                        <a:buSzTx/>
+                        <a:buFontTx/>
+                        <a:buNone/>
+                        <a:tabLst/>
+                        <a:defRPr/>
+                      </a:pPr>
+                      <a:endParaRPr lang="en-US" sz="5400" b="1" kern="1200" dirty="0">
+                        <a:solidFill>
+                          <a:schemeClr val="tx1"/>
+                        </a:solidFill>
+                        <a:effectLst/>
+                        <a:latin typeface="+mn-lt"/>
+                        <a:ea typeface="+mn-ea"/>
+                        <a:cs typeface="Open Sans Hebrew" panose="00000500000000000000" pitchFamily="2" charset="-79"/>
+                      </a:endParaRPr>
+                    </a:p>
+                    <a:p>
+                      <a:pPr marL="0" marR="0" lvl="0" indent="0" algn="l" defTabSz="2519995" rtl="0" eaLnBrk="1" fontAlgn="auto" latinLnBrk="0" hangingPunct="1">
+                        <a:lnSpc>
+                          <a:spcPct val="100000"/>
+                        </a:lnSpc>
+                        <a:spcBef>
+                          <a:spcPts val="0"/>
+                        </a:spcBef>
+                        <a:spcAft>
+                          <a:spcPts val="0"/>
+                        </a:spcAft>
+                        <a:buClrTx/>
+                        <a:buSzTx/>
+                        <a:buFontTx/>
+                        <a:buNone/>
+                        <a:tabLst/>
+                        <a:defRPr/>
+                      </a:pPr>
+                      <a:endParaRPr lang="en-US" sz="5400" b="1" kern="1200" dirty="0">
+                        <a:solidFill>
+                          <a:schemeClr val="tx1"/>
+                        </a:solidFill>
+                        <a:effectLst/>
+                        <a:latin typeface="+mn-lt"/>
+                        <a:ea typeface="+mn-ea"/>
+                        <a:cs typeface="Open Sans Hebrew" panose="00000500000000000000" pitchFamily="2" charset="-79"/>
+                      </a:endParaRPr>
+                    </a:p>
+                    <a:p>
+                      <a:pPr marL="0" marR="0" lvl="0" indent="0" algn="l" defTabSz="2519995" rtl="0" eaLnBrk="1" fontAlgn="auto" latinLnBrk="0" hangingPunct="1">
+                        <a:lnSpc>
+                          <a:spcPct val="100000"/>
+                        </a:lnSpc>
+                        <a:spcBef>
+                          <a:spcPts val="0"/>
+                        </a:spcBef>
+                        <a:spcAft>
+                          <a:spcPts val="0"/>
+                        </a:spcAft>
+                        <a:buClrTx/>
+                        <a:buSzTx/>
+                        <a:buFontTx/>
+                        <a:buNone/>
+                        <a:tabLst/>
+                        <a:defRPr/>
+                      </a:pPr>
+                      <a:endParaRPr lang="en-US" sz="5400" b="1" kern="1200" dirty="0">
                         <a:solidFill>
                           <a:schemeClr val="tx1"/>
                         </a:solidFill>
@@ -4182,54 +3790,15 @@
                         <a:tabLst/>
                         <a:defRPr/>
                       </a:pPr>
-                      <a:r>
-                        <a:rPr lang="en-US" sz="3400" kern="1200" dirty="0">
-                          <a:solidFill>
-                            <a:schemeClr val="tx1"/>
-                          </a:solidFill>
-                          <a:effectLst/>
-                          <a:latin typeface="+mn-lt"/>
-                          <a:ea typeface="+mn-ea"/>
-                          <a:cs typeface="Open Sans Hebrew" panose="00000500000000000000" pitchFamily="2" charset="-79"/>
-                        </a:rPr>
-                        <a:t>Here we can see an example of text that</a:t>
-                      </a:r>
-                      <a:r>
-                        <a:rPr lang="en-US" sz="3400" kern="1200" baseline="0" dirty="0">
-                          <a:solidFill>
-                            <a:schemeClr val="tx1"/>
-                          </a:solidFill>
-                          <a:effectLst/>
-                          <a:latin typeface="+mn-lt"/>
-                          <a:ea typeface="+mn-ea"/>
-                          <a:cs typeface="Open Sans Hebrew" panose="00000500000000000000" pitchFamily="2" charset="-79"/>
-                        </a:rPr>
-                        <a:t> can elaborate on the results </a:t>
-                      </a:r>
-                      <a:r>
-                        <a:rPr lang="en-US" sz="3400" kern="1200" dirty="0">
-                          <a:solidFill>
-                            <a:schemeClr val="tx1"/>
-                          </a:solidFill>
-                          <a:effectLst/>
-                          <a:latin typeface="+mn-lt"/>
-                          <a:ea typeface="+mn-ea"/>
-                          <a:cs typeface="Open Sans Hebrew" panose="00000500000000000000" pitchFamily="2" charset="-79"/>
-                        </a:rPr>
-                        <a:t>followed</a:t>
-                      </a:r>
-                      <a:r>
-                        <a:rPr lang="en-US" sz="3400" kern="1200" baseline="0" dirty="0">
-                          <a:solidFill>
-                            <a:schemeClr val="tx1"/>
-                          </a:solidFill>
-                          <a:effectLst/>
-                          <a:latin typeface="+mn-lt"/>
-                          <a:ea typeface="+mn-ea"/>
-                          <a:cs typeface="Open Sans Hebrew" panose="00000500000000000000" pitchFamily="2" charset="-79"/>
-                        </a:rPr>
-                        <a:t> by an example plots that helps in presenting the project results. You may also include graphs, plots, images, tables etc..</a:t>
-                      </a:r>
+                      <a:endParaRPr lang="en-US" sz="3400" kern="1200" baseline="0" dirty="0">
+                        <a:solidFill>
+                          <a:schemeClr val="tx1"/>
+                        </a:solidFill>
+                        <a:effectLst/>
+                        <a:latin typeface="+mn-lt"/>
+                        <a:ea typeface="+mn-ea"/>
+                        <a:cs typeface="Open Sans Hebrew" panose="00000500000000000000" pitchFamily="2" charset="-79"/>
+                      </a:endParaRPr>
                     </a:p>
                     <a:p>
                       <a:pPr marL="0" marR="0" lvl="0" indent="0" algn="l" defTabSz="2519995" rtl="0" eaLnBrk="1" fontAlgn="auto" latinLnBrk="0" hangingPunct="1">
@@ -4288,7 +3857,7 @@
                       </a:endParaRPr>
                     </a:p>
                   </a:txBody>
-                  <a:tcPr marL="137160" marR="137160" marT="137160" marB="137160">
+                  <a:tcPr marL="365760" marR="365760" marT="365760" marB="182880">
                     <a:lnL w="12700" cap="flat" cmpd="sng" algn="ctr">
                       <a:noFill/>
                       <a:prstDash val="solid"/>
@@ -4359,187 +3928,8 @@
                           <a:ea typeface="+mn-ea"/>
                           <a:cs typeface="Open Sans Hebrew" panose="00000500000000000000" pitchFamily="2" charset="-79"/>
                         </a:rPr>
-                        <a:t>Conclusions</a:t>
+                        <a:t>Results</a:t>
                       </a:r>
-                    </a:p>
-                    <a:p>
-                      <a:pPr marL="0" marR="0" lvl="0" indent="0" algn="l" defTabSz="2519995" rtl="0" eaLnBrk="1" fontAlgn="auto" latinLnBrk="0" hangingPunct="1">
-                        <a:lnSpc>
-                          <a:spcPct val="100000"/>
-                        </a:lnSpc>
-                        <a:spcBef>
-                          <a:spcPts val="0"/>
-                        </a:spcBef>
-                        <a:spcAft>
-                          <a:spcPts val="0"/>
-                        </a:spcAft>
-                        <a:buClrTx/>
-                        <a:buSzTx/>
-                        <a:buFontTx/>
-                        <a:buNone/>
-                        <a:tabLst/>
-                        <a:defRPr/>
-                      </a:pPr>
-                      <a:r>
-                        <a:rPr lang="en-US" sz="3400" kern="1200" dirty="0">
-                          <a:solidFill>
-                            <a:schemeClr val="tx1"/>
-                          </a:solidFill>
-                          <a:effectLst/>
-                          <a:latin typeface="+mn-lt"/>
-                          <a:ea typeface="+mn-ea"/>
-                          <a:cs typeface="Open Sans Hebrew" panose="00000500000000000000" pitchFamily="2" charset="-79"/>
-                        </a:rPr>
-                        <a:t>An example of text that</a:t>
-                      </a:r>
-                      <a:r>
-                        <a:rPr lang="en-US" sz="3400" kern="1200" baseline="0" dirty="0">
-                          <a:solidFill>
-                            <a:schemeClr val="tx1"/>
-                          </a:solidFill>
-                          <a:effectLst/>
-                          <a:latin typeface="+mn-lt"/>
-                          <a:ea typeface="+mn-ea"/>
-                          <a:cs typeface="Open Sans Hebrew" panose="00000500000000000000" pitchFamily="2" charset="-79"/>
-                        </a:rPr>
-                        <a:t> elaborates on the conclusions </a:t>
-                      </a:r>
-                      <a:r>
-                        <a:rPr lang="en-US" sz="3400" kern="1200" dirty="0">
-                          <a:solidFill>
-                            <a:schemeClr val="tx1"/>
-                          </a:solidFill>
-                          <a:effectLst/>
-                          <a:latin typeface="+mn-lt"/>
-                          <a:ea typeface="+mn-ea"/>
-                          <a:cs typeface="Open Sans Hebrew" panose="00000500000000000000" pitchFamily="2" charset="-79"/>
-                        </a:rPr>
-                        <a:t>followed</a:t>
-                      </a:r>
-                      <a:r>
-                        <a:rPr lang="en-US" sz="3400" kern="1200" baseline="0" dirty="0">
-                          <a:solidFill>
-                            <a:schemeClr val="tx1"/>
-                          </a:solidFill>
-                          <a:effectLst/>
-                          <a:latin typeface="+mn-lt"/>
-                          <a:ea typeface="+mn-ea"/>
-                          <a:cs typeface="Open Sans Hebrew" panose="00000500000000000000" pitchFamily="2" charset="-79"/>
-                        </a:rPr>
-                        <a:t> by an example table that presents the project conclusions. You may also include graphs, plots, images, tables etc..</a:t>
-                      </a:r>
-                    </a:p>
-                    <a:p>
-                      <a:pPr marL="0" marR="0" lvl="0" indent="0" algn="l" defTabSz="2519995" rtl="0" eaLnBrk="1" fontAlgn="auto" latinLnBrk="0" hangingPunct="1">
-                        <a:lnSpc>
-                          <a:spcPct val="100000"/>
-                        </a:lnSpc>
-                        <a:spcBef>
-                          <a:spcPts val="0"/>
-                        </a:spcBef>
-                        <a:spcAft>
-                          <a:spcPts val="0"/>
-                        </a:spcAft>
-                        <a:buClrTx/>
-                        <a:buSzTx/>
-                        <a:buFontTx/>
-                        <a:buNone/>
-                        <a:tabLst/>
-                        <a:defRPr/>
-                      </a:pPr>
-                      <a:endParaRPr lang="en-US" sz="3200" kern="1200" baseline="0" dirty="0">
-                        <a:solidFill>
-                          <a:schemeClr val="tx1"/>
-                        </a:solidFill>
-                        <a:effectLst/>
-                        <a:latin typeface="+mn-lt"/>
-                        <a:ea typeface="+mn-ea"/>
-                        <a:cs typeface="Open Sans Hebrew" panose="00000500000000000000" pitchFamily="2" charset="-79"/>
-                      </a:endParaRPr>
-                    </a:p>
-                    <a:p>
-                      <a:pPr marL="0" marR="0" lvl="0" indent="0" algn="l" defTabSz="2519995" rtl="0" eaLnBrk="1" fontAlgn="auto" latinLnBrk="0" hangingPunct="1">
-                        <a:lnSpc>
-                          <a:spcPct val="100000"/>
-                        </a:lnSpc>
-                        <a:spcBef>
-                          <a:spcPts val="0"/>
-                        </a:spcBef>
-                        <a:spcAft>
-                          <a:spcPts val="0"/>
-                        </a:spcAft>
-                        <a:buClrTx/>
-                        <a:buSzTx/>
-                        <a:buFontTx/>
-                        <a:buNone/>
-                        <a:tabLst/>
-                        <a:defRPr/>
-                      </a:pPr>
-                      <a:endParaRPr lang="en-US" sz="3200" kern="1200" baseline="0" dirty="0">
-                        <a:solidFill>
-                          <a:schemeClr val="tx1"/>
-                        </a:solidFill>
-                        <a:effectLst/>
-                        <a:latin typeface="+mn-lt"/>
-                        <a:ea typeface="+mn-ea"/>
-                        <a:cs typeface="Open Sans Hebrew" panose="00000500000000000000" pitchFamily="2" charset="-79"/>
-                      </a:endParaRPr>
-                    </a:p>
-                    <a:p>
-                      <a:pPr marL="0" marR="0" lvl="0" indent="0" algn="l" defTabSz="2519995" rtl="0" eaLnBrk="1" fontAlgn="auto" latinLnBrk="0" hangingPunct="1">
-                        <a:lnSpc>
-                          <a:spcPct val="100000"/>
-                        </a:lnSpc>
-                        <a:spcBef>
-                          <a:spcPts val="0"/>
-                        </a:spcBef>
-                        <a:spcAft>
-                          <a:spcPts val="0"/>
-                        </a:spcAft>
-                        <a:buClrTx/>
-                        <a:buSzTx/>
-                        <a:buFontTx/>
-                        <a:buNone/>
-                        <a:tabLst/>
-                        <a:defRPr/>
-                      </a:pPr>
-                      <a:endParaRPr lang="en-US" sz="3200" kern="1200" baseline="0" dirty="0">
-                        <a:solidFill>
-                          <a:schemeClr val="tx1"/>
-                        </a:solidFill>
-                        <a:effectLst/>
-                        <a:latin typeface="+mn-lt"/>
-                        <a:ea typeface="+mn-ea"/>
-                        <a:cs typeface="Open Sans Hebrew" panose="00000500000000000000" pitchFamily="2" charset="-79"/>
-                      </a:endParaRPr>
-                    </a:p>
-                    <a:p>
-                      <a:pPr marL="0" marR="0" lvl="0" indent="0" algn="l" defTabSz="2519995" rtl="0" eaLnBrk="1" fontAlgn="auto" latinLnBrk="0" hangingPunct="1">
-                        <a:lnSpc>
-                          <a:spcPct val="100000"/>
-                        </a:lnSpc>
-                        <a:spcBef>
-                          <a:spcPts val="0"/>
-                        </a:spcBef>
-                        <a:spcAft>
-                          <a:spcPts val="0"/>
-                        </a:spcAft>
-                        <a:buClrTx/>
-                        <a:buSzTx/>
-                        <a:buFontTx/>
-                        <a:buNone/>
-                        <a:tabLst/>
-                        <a:defRPr/>
-                      </a:pPr>
-                      <a:endParaRPr lang="en-US" sz="3200" kern="1200" dirty="0">
-                        <a:solidFill>
-                          <a:schemeClr val="tx1"/>
-                        </a:solidFill>
-                        <a:effectLst/>
-                        <a:latin typeface="+mn-lt"/>
-                        <a:ea typeface="+mn-ea"/>
-                        <a:cs typeface="Open Sans Hebrew" panose="00000500000000000000" pitchFamily="2" charset="-79"/>
-                      </a:endParaRPr>
                     </a:p>
                     <a:p>
                       <a:pPr marL="0" marR="0" lvl="0" indent="0" algn="l" defTabSz="2519995" rtl="0" eaLnBrk="1" fontAlgn="auto" latinLnBrk="0" hangingPunct="1">
@@ -4783,7 +4173,7 @@
                         <a:tabLst/>
                         <a:defRPr/>
                       </a:pPr>
-                      <a:endParaRPr lang="en-US" sz="3400" b="1" kern="1200" dirty="0">
+                      <a:endParaRPr lang="en-US" sz="5400" b="1" kern="1200" dirty="0">
                         <a:solidFill>
                           <a:schemeClr val="tx1"/>
                         </a:solidFill>
@@ -4811,7 +4201,7 @@
                         <a:tabLst/>
                         <a:defRPr/>
                       </a:pPr>
-                      <a:endParaRPr lang="en-US" sz="3400" b="1" kern="1200" dirty="0">
+                      <a:endParaRPr lang="en-US" sz="5400" b="1" kern="1200" dirty="0">
                         <a:solidFill>
                           <a:schemeClr val="tx1"/>
                         </a:solidFill>
@@ -4839,7 +4229,203 @@
                         <a:tabLst/>
                         <a:defRPr/>
                       </a:pPr>
-                      <a:endParaRPr lang="en-US" sz="3400" b="1" kern="1200" dirty="0">
+                      <a:endParaRPr lang="en-US" sz="5400" b="1" kern="1200" dirty="0">
+                        <a:solidFill>
+                          <a:schemeClr val="tx1"/>
+                        </a:solidFill>
+                        <a:effectLst/>
+                        <a:latin typeface="+mn-lt"/>
+                        <a:ea typeface="+mn-ea"/>
+                        <a:cs typeface="Open Sans Hebrew" panose="00000500000000000000" pitchFamily="2" charset="-79"/>
+                      </a:endParaRPr>
+                    </a:p>
+                    <a:p>
+                      <a:pPr marL="0" marR="0" lvl="0" indent="0" algn="l" defTabSz="2519995" rtl="0" eaLnBrk="1" fontAlgn="auto" latinLnBrk="0" hangingPunct="1">
+                        <a:lnSpc>
+                          <a:spcPct val="100000"/>
+                        </a:lnSpc>
+                        <a:spcBef>
+                          <a:spcPts val="0"/>
+                        </a:spcBef>
+                        <a:spcAft>
+                          <a:spcPts val="0"/>
+                        </a:spcAft>
+                        <a:buClrTx/>
+                        <a:buSzTx/>
+                        <a:buFontTx/>
+                        <a:buNone/>
+                        <a:tabLst/>
+                        <a:defRPr/>
+                      </a:pPr>
+                      <a:endParaRPr lang="en-US" sz="5400" b="1" kern="1200" dirty="0">
+                        <a:solidFill>
+                          <a:schemeClr val="tx1"/>
+                        </a:solidFill>
+                        <a:effectLst/>
+                        <a:latin typeface="+mn-lt"/>
+                        <a:ea typeface="+mn-ea"/>
+                        <a:cs typeface="Open Sans Hebrew" panose="00000500000000000000" pitchFamily="2" charset="-79"/>
+                      </a:endParaRPr>
+                    </a:p>
+                    <a:p>
+                      <a:pPr marL="0" marR="0" lvl="0" indent="0" algn="l" defTabSz="2519995" rtl="0" eaLnBrk="1" fontAlgn="auto" latinLnBrk="0" hangingPunct="1">
+                        <a:lnSpc>
+                          <a:spcPct val="100000"/>
+                        </a:lnSpc>
+                        <a:spcBef>
+                          <a:spcPts val="0"/>
+                        </a:spcBef>
+                        <a:spcAft>
+                          <a:spcPts val="0"/>
+                        </a:spcAft>
+                        <a:buClrTx/>
+                        <a:buSzTx/>
+                        <a:buFontTx/>
+                        <a:buNone/>
+                        <a:tabLst/>
+                        <a:defRPr/>
+                      </a:pPr>
+                      <a:endParaRPr lang="en-US" sz="5400" b="1" kern="1200" dirty="0">
+                        <a:solidFill>
+                          <a:schemeClr val="tx1"/>
+                        </a:solidFill>
+                        <a:effectLst/>
+                        <a:latin typeface="+mn-lt"/>
+                        <a:ea typeface="+mn-ea"/>
+                        <a:cs typeface="Open Sans Hebrew" panose="00000500000000000000" pitchFamily="2" charset="-79"/>
+                      </a:endParaRPr>
+                    </a:p>
+                    <a:p>
+                      <a:pPr marL="0" marR="0" lvl="0" indent="0" algn="l" defTabSz="2519995" rtl="0" eaLnBrk="1" fontAlgn="auto" latinLnBrk="0" hangingPunct="1">
+                        <a:lnSpc>
+                          <a:spcPct val="100000"/>
+                        </a:lnSpc>
+                        <a:spcBef>
+                          <a:spcPts val="0"/>
+                        </a:spcBef>
+                        <a:spcAft>
+                          <a:spcPts val="0"/>
+                        </a:spcAft>
+                        <a:buClrTx/>
+                        <a:buSzTx/>
+                        <a:buFontTx/>
+                        <a:buNone/>
+                        <a:tabLst/>
+                        <a:defRPr/>
+                      </a:pPr>
+                      <a:endParaRPr lang="en-US" sz="5400" b="1" kern="1200" dirty="0">
+                        <a:solidFill>
+                          <a:schemeClr val="tx1"/>
+                        </a:solidFill>
+                        <a:effectLst/>
+                        <a:latin typeface="+mn-lt"/>
+                        <a:ea typeface="+mn-ea"/>
+                        <a:cs typeface="Open Sans Hebrew" panose="00000500000000000000" pitchFamily="2" charset="-79"/>
+                      </a:endParaRPr>
+                    </a:p>
+                    <a:p>
+                      <a:pPr marL="0" marR="0" lvl="0" indent="0" algn="l" defTabSz="2519995" rtl="0" eaLnBrk="1" fontAlgn="auto" latinLnBrk="0" hangingPunct="1">
+                        <a:lnSpc>
+                          <a:spcPct val="100000"/>
+                        </a:lnSpc>
+                        <a:spcBef>
+                          <a:spcPts val="0"/>
+                        </a:spcBef>
+                        <a:spcAft>
+                          <a:spcPts val="0"/>
+                        </a:spcAft>
+                        <a:buClrTx/>
+                        <a:buSzTx/>
+                        <a:buFontTx/>
+                        <a:buNone/>
+                        <a:tabLst/>
+                        <a:defRPr/>
+                      </a:pPr>
+                      <a:endParaRPr lang="en-US" sz="5400" b="1" kern="1200" dirty="0">
+                        <a:solidFill>
+                          <a:schemeClr val="tx1"/>
+                        </a:solidFill>
+                        <a:effectLst/>
+                        <a:latin typeface="+mn-lt"/>
+                        <a:ea typeface="+mn-ea"/>
+                        <a:cs typeface="Open Sans Hebrew" panose="00000500000000000000" pitchFamily="2" charset="-79"/>
+                      </a:endParaRPr>
+                    </a:p>
+                    <a:p>
+                      <a:pPr marL="0" marR="0" lvl="0" indent="0" algn="l" defTabSz="2519995" rtl="0" eaLnBrk="1" fontAlgn="auto" latinLnBrk="0" hangingPunct="1">
+                        <a:lnSpc>
+                          <a:spcPct val="100000"/>
+                        </a:lnSpc>
+                        <a:spcBef>
+                          <a:spcPts val="0"/>
+                        </a:spcBef>
+                        <a:spcAft>
+                          <a:spcPts val="0"/>
+                        </a:spcAft>
+                        <a:buClrTx/>
+                        <a:buSzTx/>
+                        <a:buFontTx/>
+                        <a:buNone/>
+                        <a:tabLst/>
+                        <a:defRPr/>
+                      </a:pPr>
+                      <a:endParaRPr lang="en-US" sz="5400" b="1" kern="1200" dirty="0">
+                        <a:solidFill>
+                          <a:schemeClr val="tx1"/>
+                        </a:solidFill>
+                        <a:effectLst/>
+                        <a:latin typeface="+mn-lt"/>
+                        <a:ea typeface="+mn-ea"/>
+                        <a:cs typeface="Open Sans Hebrew" panose="00000500000000000000" pitchFamily="2" charset="-79"/>
+                      </a:endParaRPr>
+                    </a:p>
+                    <a:p>
+                      <a:pPr marL="0" marR="0" lvl="0" indent="0" algn="l" defTabSz="2519995" rtl="0" eaLnBrk="1" fontAlgn="auto" latinLnBrk="0" hangingPunct="1">
+                        <a:lnSpc>
+                          <a:spcPct val="100000"/>
+                        </a:lnSpc>
+                        <a:spcBef>
+                          <a:spcPts val="0"/>
+                        </a:spcBef>
+                        <a:spcAft>
+                          <a:spcPts val="0"/>
+                        </a:spcAft>
+                        <a:buClrTx/>
+                        <a:buSzTx/>
+                        <a:buFontTx/>
+                        <a:buNone/>
+                        <a:tabLst/>
+                        <a:defRPr/>
+                      </a:pPr>
+                      <a:endParaRPr lang="en-US" sz="5400" b="1" kern="1200" dirty="0">
+                        <a:solidFill>
+                          <a:schemeClr val="tx1"/>
+                        </a:solidFill>
+                        <a:effectLst/>
+                        <a:latin typeface="+mn-lt"/>
+                        <a:ea typeface="+mn-ea"/>
+                        <a:cs typeface="Open Sans Hebrew" panose="00000500000000000000" pitchFamily="2" charset="-79"/>
+                      </a:endParaRPr>
+                    </a:p>
+                    <a:p>
+                      <a:pPr marL="0" marR="0" lvl="0" indent="0" algn="l" defTabSz="2519995" rtl="0" eaLnBrk="1" fontAlgn="auto" latinLnBrk="0" hangingPunct="1">
+                        <a:lnSpc>
+                          <a:spcPct val="100000"/>
+                        </a:lnSpc>
+                        <a:spcBef>
+                          <a:spcPts val="0"/>
+                        </a:spcBef>
+                        <a:spcAft>
+                          <a:spcPts val="0"/>
+                        </a:spcAft>
+                        <a:buClrTx/>
+                        <a:buSzTx/>
+                        <a:buFontTx/>
+                        <a:buNone/>
+                        <a:tabLst/>
+                        <a:defRPr/>
+                      </a:pPr>
+                      <a:endParaRPr lang="en-US" sz="5400" b="1" kern="1200" dirty="0">
                         <a:solidFill>
                           <a:schemeClr val="tx1"/>
                         </a:solidFill>
@@ -4877,341 +4463,11 @@
                           <a:ea typeface="+mn-ea"/>
                           <a:cs typeface="Open Sans Hebrew" panose="00000500000000000000" pitchFamily="2" charset="-79"/>
                         </a:rPr>
-                        <a:t>Bibliography</a:t>
+                        <a:t>Conclusions</a:t>
                       </a:r>
                     </a:p>
-                    <a:p>
-                      <a:pPr marL="0" marR="0" lvl="0" indent="0" algn="l" defTabSz="2519995" rtl="0" eaLnBrk="1" fontAlgn="auto" latinLnBrk="0" hangingPunct="1">
-                        <a:lnSpc>
-                          <a:spcPct val="100000"/>
-                        </a:lnSpc>
-                        <a:spcBef>
-                          <a:spcPts val="0"/>
-                        </a:spcBef>
-                        <a:spcAft>
-                          <a:spcPts val="0"/>
-                        </a:spcAft>
-                        <a:buClrTx/>
-                        <a:buSzTx/>
-                        <a:buFontTx/>
-                        <a:buNone/>
-                        <a:tabLst/>
-                        <a:defRPr/>
-                      </a:pPr>
-                      <a:r>
-                        <a:rPr lang="en-US" sz="3400" kern="1200" dirty="0">
-                          <a:solidFill>
-                            <a:schemeClr val="tx1"/>
-                          </a:solidFill>
-                          <a:effectLst/>
-                          <a:latin typeface="+mn-lt"/>
-                          <a:ea typeface="+mn-ea"/>
-                          <a:cs typeface="Open Sans Hebrew" panose="00000500000000000000" pitchFamily="2" charset="-79"/>
-                        </a:rPr>
-                        <a:t>You may edit this section with relevant citations for the poster</a:t>
-                      </a:r>
-                    </a:p>
-                    <a:p>
-                      <a:pPr marL="0" marR="0" lvl="0" indent="0" algn="l" defTabSz="2519995" rtl="0" eaLnBrk="1" fontAlgn="auto" latinLnBrk="0" hangingPunct="1">
-                        <a:lnSpc>
-                          <a:spcPct val="100000"/>
-                        </a:lnSpc>
-                        <a:spcBef>
-                          <a:spcPts val="0"/>
-                        </a:spcBef>
-                        <a:spcAft>
-                          <a:spcPts val="0"/>
-                        </a:spcAft>
-                        <a:buClrTx/>
-                        <a:buSzTx/>
-                        <a:buFontTx/>
-                        <a:buNone/>
-                        <a:tabLst/>
-                        <a:defRPr/>
-                      </a:pPr>
-                      <a:r>
-                        <a:rPr lang="en-US" sz="3400" kern="1200" dirty="0">
-                          <a:solidFill>
-                            <a:schemeClr val="tx1"/>
-                          </a:solidFill>
-                          <a:effectLst/>
-                          <a:latin typeface="+mn-lt"/>
-                          <a:ea typeface="+mn-ea"/>
-                          <a:cs typeface="Open Sans Hebrew" panose="00000500000000000000" pitchFamily="2" charset="-79"/>
-                        </a:rPr>
-                        <a:t>Pay attention that this section should only include the citations relevant to the poster and not for the entire project.</a:t>
-                      </a:r>
-                    </a:p>
-                    <a:p>
-                      <a:pPr marL="0" marR="0" lvl="0" indent="0" algn="l" defTabSz="2519995" rtl="0" eaLnBrk="1" fontAlgn="auto" latinLnBrk="0" hangingPunct="1">
-                        <a:lnSpc>
-                          <a:spcPct val="100000"/>
-                        </a:lnSpc>
-                        <a:spcBef>
-                          <a:spcPts val="0"/>
-                        </a:spcBef>
-                        <a:spcAft>
-                          <a:spcPts val="0"/>
-                        </a:spcAft>
-                        <a:buClrTx/>
-                        <a:buSzTx/>
-                        <a:buFontTx/>
-                        <a:buNone/>
-                        <a:tabLst/>
-                        <a:defRPr/>
-                      </a:pPr>
-                      <a:r>
-                        <a:rPr lang="en-US" sz="3400" kern="1200" dirty="0">
-                          <a:solidFill>
-                            <a:schemeClr val="tx1"/>
-                          </a:solidFill>
-                          <a:effectLst/>
-                          <a:latin typeface="+mn-lt"/>
-                          <a:ea typeface="+mn-ea"/>
-                          <a:cs typeface="Open Sans Hebrew" panose="00000500000000000000" pitchFamily="2" charset="-79"/>
-                        </a:rPr>
-                        <a:t>If there are no relevant citations for the poster,</a:t>
-                      </a:r>
-                      <a:r>
-                        <a:rPr lang="en-US" sz="3400" kern="1200" baseline="0" dirty="0">
-                          <a:solidFill>
-                            <a:schemeClr val="tx1"/>
-                          </a:solidFill>
-                          <a:effectLst/>
-                          <a:latin typeface="+mn-lt"/>
-                          <a:ea typeface="+mn-ea"/>
-                          <a:cs typeface="Open Sans Hebrew" panose="00000500000000000000" pitchFamily="2" charset="-79"/>
-                        </a:rPr>
-                        <a:t> the bibliography may be omitted from the poster.</a:t>
-                      </a:r>
-                      <a:r>
-                        <a:rPr lang="en-US" sz="3400" kern="1200" dirty="0">
-                          <a:solidFill>
-                            <a:schemeClr val="tx1"/>
-                          </a:solidFill>
-                          <a:effectLst/>
-                          <a:latin typeface="+mn-lt"/>
-                          <a:ea typeface="+mn-ea"/>
-                          <a:cs typeface="Open Sans Hebrew" panose="00000500000000000000" pitchFamily="2" charset="-79"/>
-                        </a:rPr>
-                        <a:t> </a:t>
-                      </a:r>
-                    </a:p>
-                    <a:p>
-                      <a:pPr marL="0" marR="0" lvl="0" indent="0" algn="l" defTabSz="2519995" rtl="0" eaLnBrk="1" fontAlgn="auto" latinLnBrk="0" hangingPunct="1">
-                        <a:lnSpc>
-                          <a:spcPct val="100000"/>
-                        </a:lnSpc>
-                        <a:spcBef>
-                          <a:spcPts val="0"/>
-                        </a:spcBef>
-                        <a:spcAft>
-                          <a:spcPts val="0"/>
-                        </a:spcAft>
-                        <a:buClrTx/>
-                        <a:buSzTx/>
-                        <a:buFontTx/>
-                        <a:buNone/>
-                        <a:tabLst/>
-                        <a:defRPr/>
-                      </a:pPr>
-                      <a:r>
-                        <a:rPr lang="en-US" sz="3400" kern="1200" dirty="0">
-                          <a:solidFill>
-                            <a:schemeClr val="tx1"/>
-                          </a:solidFill>
-                          <a:effectLst/>
-                          <a:latin typeface="+mn-lt"/>
-                          <a:ea typeface="+mn-ea"/>
-                          <a:cs typeface="Open Sans Hebrew" panose="00000500000000000000" pitchFamily="2" charset="-79"/>
-                        </a:rPr>
-                        <a:t>[1] A. M. Bronstein, M. M. Bronstein, and R. Kimmel. "Numerical geometry of non-rigid shapes”, Springer-</a:t>
-                      </a:r>
-                      <a:r>
-                        <a:rPr lang="en-US" sz="3400" kern="1200" dirty="0" err="1">
-                          <a:solidFill>
-                            <a:schemeClr val="tx1"/>
-                          </a:solidFill>
-                          <a:effectLst/>
-                          <a:latin typeface="+mn-lt"/>
-                          <a:ea typeface="+mn-ea"/>
-                          <a:cs typeface="Open Sans Hebrew" panose="00000500000000000000" pitchFamily="2" charset="-79"/>
-                        </a:rPr>
-                        <a:t>Verlag</a:t>
-                      </a:r>
-                      <a:r>
-                        <a:rPr lang="en-US" sz="3400" kern="1200" dirty="0">
-                          <a:solidFill>
-                            <a:schemeClr val="tx1"/>
-                          </a:solidFill>
-                          <a:effectLst/>
-                          <a:latin typeface="+mn-lt"/>
-                          <a:ea typeface="+mn-ea"/>
-                          <a:cs typeface="Open Sans Hebrew" panose="00000500000000000000" pitchFamily="2" charset="-79"/>
-                        </a:rPr>
-                        <a:t> New York </a:t>
-                      </a:r>
-                      <a:r>
-                        <a:rPr lang="en-US" sz="3400" kern="1200" dirty="0" err="1">
-                          <a:solidFill>
-                            <a:schemeClr val="tx1"/>
-                          </a:solidFill>
-                          <a:effectLst/>
-                          <a:latin typeface="+mn-lt"/>
-                          <a:ea typeface="+mn-ea"/>
-                          <a:cs typeface="Open Sans Hebrew" panose="00000500000000000000" pitchFamily="2" charset="-79"/>
-                        </a:rPr>
-                        <a:t>Inc</a:t>
-                      </a:r>
-                      <a:r>
-                        <a:rPr lang="en-US" sz="3400" kern="1200" dirty="0">
-                          <a:solidFill>
-                            <a:schemeClr val="tx1"/>
-                          </a:solidFill>
-                          <a:effectLst/>
-                          <a:latin typeface="+mn-lt"/>
-                          <a:ea typeface="+mn-ea"/>
-                          <a:cs typeface="Open Sans Hebrew" panose="00000500000000000000" pitchFamily="2" charset="-79"/>
-                        </a:rPr>
-                        <a:t>, 2008.</a:t>
-                      </a:r>
-                    </a:p>
-                    <a:p>
-                      <a:pPr marL="0" marR="0" lvl="0" indent="0" algn="l" defTabSz="2519995" rtl="0" eaLnBrk="1" fontAlgn="auto" latinLnBrk="0" hangingPunct="1">
-                        <a:lnSpc>
-                          <a:spcPct val="100000"/>
-                        </a:lnSpc>
-                        <a:spcBef>
-                          <a:spcPts val="0"/>
-                        </a:spcBef>
-                        <a:spcAft>
-                          <a:spcPts val="0"/>
-                        </a:spcAft>
-                        <a:buClrTx/>
-                        <a:buSzTx/>
-                        <a:buFontTx/>
-                        <a:buNone/>
-                        <a:tabLst/>
-                        <a:defRPr/>
-                      </a:pPr>
-                      <a:r>
-                        <a:rPr lang="en-US" sz="3400" kern="1200" dirty="0">
-                          <a:solidFill>
-                            <a:schemeClr val="tx1"/>
-                          </a:solidFill>
-                          <a:effectLst/>
-                          <a:latin typeface="+mn-lt"/>
-                          <a:ea typeface="+mn-ea"/>
-                          <a:cs typeface="Open Sans Hebrew" panose="00000500000000000000" pitchFamily="2" charset="-79"/>
-                        </a:rPr>
-                        <a:t>[2] G. B. </a:t>
-                      </a:r>
-                      <a:r>
-                        <a:rPr lang="en-US" sz="3400" kern="1200" dirty="0" err="1">
-                          <a:solidFill>
-                            <a:schemeClr val="tx1"/>
-                          </a:solidFill>
-                          <a:effectLst/>
-                          <a:latin typeface="+mn-lt"/>
-                          <a:ea typeface="+mn-ea"/>
-                          <a:cs typeface="Open Sans Hebrew" panose="00000500000000000000" pitchFamily="2" charset="-79"/>
-                        </a:rPr>
-                        <a:t>Giannakis</a:t>
-                      </a:r>
-                      <a:r>
-                        <a:rPr lang="en-US" sz="3400" kern="1200" dirty="0">
-                          <a:solidFill>
-                            <a:schemeClr val="tx1"/>
-                          </a:solidFill>
-                          <a:effectLst/>
-                          <a:latin typeface="+mn-lt"/>
-                          <a:ea typeface="+mn-ea"/>
-                          <a:cs typeface="Open Sans Hebrew" panose="00000500000000000000" pitchFamily="2" charset="-79"/>
-                        </a:rPr>
-                        <a:t> , "Highlights of Signal Processing for Communications",  IEEE Signal Processing Magazine, Vol. 16, no 2, pp. 14-49, March 1999</a:t>
-                      </a:r>
-                    </a:p>
-                    <a:p>
-                      <a:pPr marL="0" marR="0" lvl="0" indent="0" algn="l" defTabSz="2519995" rtl="0" eaLnBrk="1" fontAlgn="auto" latinLnBrk="0" hangingPunct="1">
-                        <a:lnSpc>
-                          <a:spcPct val="100000"/>
-                        </a:lnSpc>
-                        <a:spcBef>
-                          <a:spcPts val="0"/>
-                        </a:spcBef>
-                        <a:spcAft>
-                          <a:spcPts val="0"/>
-                        </a:spcAft>
-                        <a:buClrTx/>
-                        <a:buSzTx/>
-                        <a:buFontTx/>
-                        <a:buNone/>
-                        <a:tabLst/>
-                        <a:defRPr/>
-                      </a:pPr>
-                      <a:r>
-                        <a:rPr lang="en-US" sz="3400" kern="1200" dirty="0">
-                          <a:solidFill>
-                            <a:schemeClr val="tx1"/>
-                          </a:solidFill>
-                          <a:effectLst/>
-                          <a:latin typeface="+mn-lt"/>
-                          <a:ea typeface="+mn-ea"/>
-                          <a:cs typeface="Open Sans Hebrew" panose="00000500000000000000" pitchFamily="2" charset="-79"/>
-                        </a:rPr>
-                        <a:t>[3]  G. Welch and G. Bishop – "An Introduction to the </a:t>
-                      </a:r>
-                      <a:r>
-                        <a:rPr lang="en-US" sz="3400" kern="1200" dirty="0" err="1">
-                          <a:solidFill>
-                            <a:schemeClr val="tx1"/>
-                          </a:solidFill>
-                          <a:effectLst/>
-                          <a:latin typeface="+mn-lt"/>
-                          <a:ea typeface="+mn-ea"/>
-                          <a:cs typeface="Open Sans Hebrew" panose="00000500000000000000" pitchFamily="2" charset="-79"/>
-                        </a:rPr>
-                        <a:t>Kalman</a:t>
-                      </a:r>
-                      <a:r>
-                        <a:rPr lang="en-US" sz="3400" kern="1200" dirty="0">
-                          <a:solidFill>
-                            <a:schemeClr val="tx1"/>
-                          </a:solidFill>
-                          <a:effectLst/>
-                          <a:latin typeface="+mn-lt"/>
-                          <a:ea typeface="+mn-ea"/>
-                          <a:cs typeface="Open Sans Hebrew" panose="00000500000000000000" pitchFamily="2" charset="-79"/>
-                        </a:rPr>
-                        <a:t> Filter", http://www.cs.unc.edu/~welch/kalman/kalman_filter/kalman.html#pgfId-11854 </a:t>
-                      </a:r>
-                    </a:p>
-                    <a:p>
-                      <a:pPr marL="0" marR="0" lvl="0" indent="0" algn="l" defTabSz="2519995" rtl="0" eaLnBrk="1" fontAlgn="auto" latinLnBrk="0" hangingPunct="1">
-                        <a:lnSpc>
-                          <a:spcPct val="100000"/>
-                        </a:lnSpc>
-                        <a:spcBef>
-                          <a:spcPts val="0"/>
-                        </a:spcBef>
-                        <a:spcAft>
-                          <a:spcPts val="0"/>
-                        </a:spcAft>
-                        <a:buClrTx/>
-                        <a:buSzTx/>
-                        <a:buFontTx/>
-                        <a:buNone/>
-                        <a:tabLst/>
-                        <a:defRPr/>
-                      </a:pPr>
-                      <a:endParaRPr lang="en-US" sz="7200" dirty="0">
-                        <a:effectLst/>
-                        <a:latin typeface="+mn-lt"/>
-                        <a:cs typeface="Open Sans Hebrew" panose="00000500000000000000" pitchFamily="2" charset="-79"/>
-                      </a:endParaRPr>
-                    </a:p>
                   </a:txBody>
-                  <a:tcPr marL="137160" marR="137160" marT="137160" marB="137160">
+                  <a:tcPr marL="365760" marR="365760" marT="365760" marB="182880">
                     <a:lnL w="12700" cap="flat" cmpd="sng" algn="ctr">
                       <a:noFill/>
                       <a:prstDash val="solid"/>
@@ -5260,113 +4516,6 @@
           </a:graphicData>
         </a:graphic>
       </p:graphicFrame>
-      <p:sp>
-        <p:nvSpPr>
-          <p:cNvPr id="14" name="TextBox 13"/>
-          <p:cNvSpPr txBox="1"/>
-          <p:nvPr/>
-        </p:nvSpPr>
-        <p:spPr>
-          <a:xfrm>
-            <a:off x="10267328" y="776420"/>
-            <a:ext cx="16737952" cy="3016210"/>
-          </a:xfrm>
-          <a:prstGeom prst="rect">
-            <a:avLst/>
-          </a:prstGeom>
-          <a:noFill/>
-        </p:spPr>
-        <p:txBody>
-          <a:bodyPr wrap="square" rtlCol="1">
-            <a:spAutoFit/>
-          </a:bodyPr>
-          <a:lstStyle/>
-          <a:p>
-            <a:pPr algn="ctr"/>
-            <a:r>
-              <a:rPr lang="en-US" sz="5400" b="1" dirty="0">
-                <a:cs typeface="Open Sans Hebrew" panose="00000500000000000000" pitchFamily="2" charset="-79"/>
-              </a:rPr>
-              <a:t>CNN Acceleration and simulation on an FPGA</a:t>
-            </a:r>
-          </a:p>
-          <a:p>
-            <a:pPr algn="ctr"/>
-            <a:r>
-              <a:rPr lang="en-US" sz="4400" b="1" dirty="0">
-                <a:cs typeface="Open Sans Hebrew" panose="00000500000000000000" pitchFamily="2" charset="-79"/>
-              </a:rPr>
-              <a:t>Project Number</a:t>
-            </a:r>
-            <a:r>
-              <a:rPr lang="he-IL" sz="4400" dirty="0">
-                <a:cs typeface="Open Sans Hebrew" panose="00000500000000000000" pitchFamily="2" charset="-79"/>
-              </a:rPr>
-              <a:t>:</a:t>
-            </a:r>
-            <a:r>
-              <a:rPr lang="en-US" sz="4400" dirty="0">
-                <a:cs typeface="Open Sans Hebrew" panose="00000500000000000000" pitchFamily="2" charset="-79"/>
-              </a:rPr>
-              <a:t> 20-1-1-2187</a:t>
-            </a:r>
-          </a:p>
-          <a:p>
-            <a:pPr algn="ctr"/>
-            <a:r>
-              <a:rPr lang="en-US" sz="4400" b="1" dirty="0">
-                <a:cs typeface="Open Sans Hebrew" panose="00000500000000000000" pitchFamily="2" charset="-79"/>
-              </a:rPr>
-              <a:t>Names</a:t>
-            </a:r>
-            <a:r>
-              <a:rPr lang="en-US" sz="4400" dirty="0">
-                <a:cs typeface="Open Sans Hebrew" panose="00000500000000000000" pitchFamily="2" charset="-79"/>
-              </a:rPr>
-              <a:t>: </a:t>
-            </a:r>
-            <a:r>
-              <a:rPr lang="en-US" sz="4800" dirty="0">
-                <a:cs typeface="Open Sans Hebrew" panose="00000500000000000000" pitchFamily="2" charset="-79"/>
-              </a:rPr>
-              <a:t>Chaim Gruda, Shay </a:t>
-            </a:r>
-            <a:r>
-              <a:rPr lang="en-US" sz="4800" dirty="0" err="1">
-                <a:cs typeface="Open Sans Hebrew" panose="00000500000000000000" pitchFamily="2" charset="-79"/>
-              </a:rPr>
-              <a:t>Tsabar</a:t>
-            </a:r>
-            <a:endParaRPr lang="he-IL" sz="4400" dirty="0">
-              <a:cs typeface="Open Sans Hebrew" panose="00000500000000000000" pitchFamily="2" charset="-79"/>
-            </a:endParaRPr>
-          </a:p>
-          <a:p>
-            <a:pPr algn="ctr"/>
-            <a:r>
-              <a:rPr lang="en-US" sz="4400" b="1" dirty="0">
-                <a:cs typeface="Open Sans Hebrew" panose="00000500000000000000" pitchFamily="2" charset="-79"/>
-              </a:rPr>
-              <a:t>Advisor</a:t>
-            </a:r>
-            <a:r>
-              <a:rPr lang="he-IL" sz="4400" dirty="0">
-                <a:cs typeface="Open Sans Hebrew" panose="00000500000000000000" pitchFamily="2" charset="-79"/>
-              </a:rPr>
-              <a:t>:</a:t>
-            </a:r>
-            <a:r>
-              <a:rPr lang="en-US" sz="4400" dirty="0">
-                <a:cs typeface="Open Sans Hebrew" panose="00000500000000000000" pitchFamily="2" charset="-79"/>
-              </a:rPr>
-              <a:t> Yoni Seifert</a:t>
-            </a:r>
-            <a:endParaRPr lang="he-IL" sz="4400" dirty="0">
-              <a:cs typeface="Open Sans Hebrew" panose="00000500000000000000" pitchFamily="2" charset="-79"/>
-            </a:endParaRPr>
-          </a:p>
-        </p:txBody>
-      </p:sp>
       <p:pic>
         <p:nvPicPr>
           <p:cNvPr id="3" name="Picture 2"/>
@@ -5397,1501 +4546,262 @@
           </a:prstGeom>
         </p:spPr>
       </p:pic>
-      <p:grpSp>
-        <p:nvGrpSpPr>
-          <p:cNvPr id="9" name="Group 8"/>
-          <p:cNvGrpSpPr/>
+      <p:sp>
+        <p:nvSpPr>
+          <p:cNvPr id="14" name="TextBox 13"/>
+          <p:cNvSpPr txBox="1"/>
           <p:nvPr/>
-        </p:nvGrpSpPr>
-        <p:grpSpPr>
+        </p:nvSpPr>
+        <p:spPr>
           <a:xfrm>
-            <a:off x="14027544" y="8551863"/>
-            <a:ext cx="7408616" cy="5039803"/>
-            <a:chOff x="1921269" y="11735141"/>
-            <a:chExt cx="7408616" cy="5039803"/>
+            <a:off x="10267328" y="776420"/>
+            <a:ext cx="16737952" cy="3016210"/>
           </a:xfrm>
-        </p:grpSpPr>
-        <p:grpSp>
-          <p:nvGrpSpPr>
-            <p:cNvPr id="17" name="Group 16"/>
-            <p:cNvGrpSpPr/>
-            <p:nvPr/>
-          </p:nvGrpSpPr>
-          <p:grpSpPr>
-            <a:xfrm>
-              <a:off x="1921269" y="11735141"/>
-              <a:ext cx="7408616" cy="5039803"/>
-              <a:chOff x="1219862" y="256213"/>
-              <a:chExt cx="7425678" cy="2853953"/>
-            </a:xfrm>
-          </p:grpSpPr>
-          <p:sp>
-            <p:nvSpPr>
-              <p:cNvPr id="19" name="TextBox 21"/>
-              <p:cNvSpPr txBox="1"/>
-              <p:nvPr/>
-            </p:nvSpPr>
-            <p:spPr>
-              <a:xfrm>
-                <a:off x="7881438" y="1439589"/>
-                <a:ext cx="764102" cy="642519"/>
-              </a:xfrm>
-              <a:prstGeom prst="rect">
-                <a:avLst/>
-              </a:prstGeom>
-              <a:noFill/>
-              <a:ln w="9525" cmpd="sng">
-                <a:noFill/>
-              </a:ln>
-            </p:spPr>
-            <p:style>
-              <a:lnRef idx="0">
-                <a:scrgbClr r="0" g="0" b="0"/>
-              </a:lnRef>
-              <a:fillRef idx="0">
-                <a:scrgbClr r="0" g="0" b="0"/>
-              </a:fillRef>
-              <a:effectRef idx="0">
-                <a:scrgbClr r="0" g="0" b="0"/>
-              </a:effectRef>
-              <a:fontRef idx="minor">
-                <a:schemeClr val="dk1"/>
-              </a:fontRef>
-            </p:style>
-            <p:txBody>
-              <a:bodyPr wrap="none" rtlCol="0" anchor="t">
-                <a:normAutofit/>
-              </a:bodyPr>
-              <a:lstStyle>
-                <a:lvl1pPr marL="0" indent="0">
-                  <a:defRPr sz="1100">
-                    <a:solidFill>
-                      <a:schemeClr val="dk1"/>
-                    </a:solidFill>
-                    <a:latin typeface="+mn-lt"/>
-                    <a:ea typeface="+mn-ea"/>
-                    <a:cs typeface="+mn-cs"/>
-                  </a:defRPr>
-                </a:lvl1pPr>
-                <a:lvl2pPr marL="457200" indent="0">
-                  <a:defRPr sz="1100">
-                    <a:solidFill>
-                      <a:schemeClr val="dk1"/>
-                    </a:solidFill>
-                    <a:latin typeface="+mn-lt"/>
-                    <a:ea typeface="+mn-ea"/>
-                    <a:cs typeface="+mn-cs"/>
-                  </a:defRPr>
-                </a:lvl2pPr>
-                <a:lvl3pPr marL="914400" indent="0">
-                  <a:defRPr sz="1100">
-                    <a:solidFill>
-                      <a:schemeClr val="dk1"/>
-                    </a:solidFill>
-                    <a:latin typeface="+mn-lt"/>
-                    <a:ea typeface="+mn-ea"/>
-                    <a:cs typeface="+mn-cs"/>
-                  </a:defRPr>
-                </a:lvl3pPr>
-                <a:lvl4pPr marL="1371600" indent="0">
-                  <a:defRPr sz="1100">
-                    <a:solidFill>
-                      <a:schemeClr val="dk1"/>
-                    </a:solidFill>
-                    <a:latin typeface="+mn-lt"/>
-                    <a:ea typeface="+mn-ea"/>
-                    <a:cs typeface="+mn-cs"/>
-                  </a:defRPr>
-                </a:lvl4pPr>
-                <a:lvl5pPr marL="1828800" indent="0">
-                  <a:defRPr sz="1100">
-                    <a:solidFill>
-                      <a:schemeClr val="dk1"/>
-                    </a:solidFill>
-                    <a:latin typeface="+mn-lt"/>
-                    <a:ea typeface="+mn-ea"/>
-                    <a:cs typeface="+mn-cs"/>
-                  </a:defRPr>
-                </a:lvl5pPr>
-                <a:lvl6pPr marL="2286000" indent="0">
-                  <a:defRPr sz="1100">
-                    <a:solidFill>
-                      <a:schemeClr val="dk1"/>
-                    </a:solidFill>
-                    <a:latin typeface="+mn-lt"/>
-                    <a:ea typeface="+mn-ea"/>
-                    <a:cs typeface="+mn-cs"/>
-                  </a:defRPr>
-                </a:lvl6pPr>
-                <a:lvl7pPr marL="2743200" indent="0">
-                  <a:defRPr sz="1100">
-                    <a:solidFill>
-                      <a:schemeClr val="dk1"/>
-                    </a:solidFill>
-                    <a:latin typeface="+mn-lt"/>
-                    <a:ea typeface="+mn-ea"/>
-                    <a:cs typeface="+mn-cs"/>
-                  </a:defRPr>
-                </a:lvl7pPr>
-                <a:lvl8pPr marL="3200400" indent="0">
-                  <a:defRPr sz="1100">
-                    <a:solidFill>
-                      <a:schemeClr val="dk1"/>
-                    </a:solidFill>
-                    <a:latin typeface="+mn-lt"/>
-                    <a:ea typeface="+mn-ea"/>
-                    <a:cs typeface="+mn-cs"/>
-                  </a:defRPr>
-                </a:lvl8pPr>
-                <a:lvl9pPr marL="3657600" indent="0">
-                  <a:defRPr sz="1100">
-                    <a:solidFill>
-                      <a:schemeClr val="dk1"/>
-                    </a:solidFill>
-                    <a:latin typeface="+mn-lt"/>
-                    <a:ea typeface="+mn-ea"/>
-                    <a:cs typeface="+mn-cs"/>
-                  </a:defRPr>
-                </a:lvl9pPr>
-              </a:lstStyle>
-              <a:p>
-                <a:pPr algn="ctr"/>
-                <a:r>
-                  <a:rPr lang="en-US" sz="2000" b="1" dirty="0">
-                    <a:solidFill>
-                      <a:schemeClr val="tx2"/>
-                    </a:solidFill>
-                    <a:latin typeface="Tahoma" pitchFamily="34" charset="0"/>
-                    <a:ea typeface="Tahoma" pitchFamily="34" charset="0"/>
-                    <a:cs typeface="Tahoma" pitchFamily="34" charset="0"/>
-                  </a:rPr>
-                  <a:t>GPS</a:t>
-                </a:r>
-              </a:p>
-            </p:txBody>
-          </p:sp>
-          <p:grpSp>
-            <p:nvGrpSpPr>
-              <p:cNvPr id="20" name="Group 19"/>
-              <p:cNvGrpSpPr/>
-              <p:nvPr/>
-            </p:nvGrpSpPr>
-            <p:grpSpPr>
-              <a:xfrm>
-                <a:off x="1219862" y="256213"/>
-                <a:ext cx="6903312" cy="2853953"/>
-                <a:chOff x="1219862" y="256213"/>
-                <a:chExt cx="6903312" cy="2853953"/>
-              </a:xfrm>
-            </p:grpSpPr>
-            <p:grpSp>
-              <p:nvGrpSpPr>
-                <p:cNvPr id="21" name="Group 20"/>
-                <p:cNvGrpSpPr/>
-                <p:nvPr/>
-              </p:nvGrpSpPr>
-              <p:grpSpPr>
-                <a:xfrm>
-                  <a:off x="1219862" y="256213"/>
-                  <a:ext cx="6903312" cy="2282201"/>
-                  <a:chOff x="1219862" y="256213"/>
-                  <a:chExt cx="6903312" cy="2282201"/>
-                </a:xfrm>
-              </p:grpSpPr>
-              <p:sp>
-                <p:nvSpPr>
-                  <p:cNvPr id="23" name="Rounded Rectangle 22"/>
-                  <p:cNvSpPr/>
-                  <p:nvPr/>
-                </p:nvSpPr>
-                <p:spPr>
-                  <a:xfrm>
-                    <a:off x="1219862" y="1524659"/>
-                    <a:ext cx="1857375" cy="543519"/>
-                  </a:xfrm>
-                  <a:prstGeom prst="roundRect">
-                    <a:avLst/>
-                  </a:prstGeom>
-                  <a:noFill/>
-                  <a:ln w="12700">
-                    <a:solidFill>
-                      <a:sysClr val="windowText" lastClr="000000"/>
-                    </a:solidFill>
-                  </a:ln>
-                  <a:effectLst>
-                    <a:outerShdw blurRad="63500" sx="102000" sy="102000" algn="ctr" rotWithShape="0">
-                      <a:prstClr val="black">
-                        <a:alpha val="40000"/>
-                      </a:prstClr>
-                    </a:outerShdw>
-                  </a:effectLst>
-                </p:spPr>
-                <p:style>
-                  <a:lnRef idx="2">
-                    <a:schemeClr val="accent1">
-                      <a:shade val="50000"/>
-                    </a:schemeClr>
-                  </a:lnRef>
-                  <a:fillRef idx="1">
-                    <a:schemeClr val="accent1"/>
-                  </a:fillRef>
-                  <a:effectRef idx="0">
-                    <a:schemeClr val="accent1"/>
-                  </a:effectRef>
-                  <a:fontRef idx="minor">
-                    <a:schemeClr val="lt1"/>
-                  </a:fontRef>
-                </p:style>
-                <p:txBody>
-                  <a:bodyPr rot="0" spcFirstLastPara="0" vert="horz" wrap="none" lIns="91440" tIns="45720" rIns="91440" bIns="45720" numCol="1" spcCol="0" rtlCol="0" fromWordArt="0" anchor="ctr" anchorCtr="0" forceAA="0" compatLnSpc="1">
-                    <a:prstTxWarp prst="textNoShape">
-                      <a:avLst/>
-                    </a:prstTxWarp>
-                    <a:normAutofit/>
-                  </a:bodyPr>
-                  <a:lstStyle>
-                    <a:lvl1pPr marL="0" indent="0">
-                      <a:defRPr sz="1100">
-                        <a:solidFill>
-                          <a:schemeClr val="lt1"/>
-                        </a:solidFill>
-                        <a:latin typeface="+mn-lt"/>
-                        <a:ea typeface="+mn-ea"/>
-                        <a:cs typeface="+mn-cs"/>
-                      </a:defRPr>
-                    </a:lvl1pPr>
-                    <a:lvl2pPr marL="457200" indent="0">
-                      <a:defRPr sz="1100">
-                        <a:solidFill>
-                          <a:schemeClr val="lt1"/>
-                        </a:solidFill>
-                        <a:latin typeface="+mn-lt"/>
-                        <a:ea typeface="+mn-ea"/>
-                        <a:cs typeface="+mn-cs"/>
-                      </a:defRPr>
-                    </a:lvl2pPr>
-                    <a:lvl3pPr marL="914400" indent="0">
-                      <a:defRPr sz="1100">
-                        <a:solidFill>
-                          <a:schemeClr val="lt1"/>
-                        </a:solidFill>
-                        <a:latin typeface="+mn-lt"/>
-                        <a:ea typeface="+mn-ea"/>
-                        <a:cs typeface="+mn-cs"/>
-                      </a:defRPr>
-                    </a:lvl3pPr>
-                    <a:lvl4pPr marL="1371600" indent="0">
-                      <a:defRPr sz="1100">
-                        <a:solidFill>
-                          <a:schemeClr val="lt1"/>
-                        </a:solidFill>
-                        <a:latin typeface="+mn-lt"/>
-                        <a:ea typeface="+mn-ea"/>
-                        <a:cs typeface="+mn-cs"/>
-                      </a:defRPr>
-                    </a:lvl4pPr>
-                    <a:lvl5pPr marL="1828800" indent="0">
-                      <a:defRPr sz="1100">
-                        <a:solidFill>
-                          <a:schemeClr val="lt1"/>
-                        </a:solidFill>
-                        <a:latin typeface="+mn-lt"/>
-                        <a:ea typeface="+mn-ea"/>
-                        <a:cs typeface="+mn-cs"/>
-                      </a:defRPr>
-                    </a:lvl5pPr>
-                    <a:lvl6pPr marL="2286000" indent="0">
-                      <a:defRPr sz="1100">
-                        <a:solidFill>
-                          <a:schemeClr val="lt1"/>
-                        </a:solidFill>
-                        <a:latin typeface="+mn-lt"/>
-                        <a:ea typeface="+mn-ea"/>
-                        <a:cs typeface="+mn-cs"/>
-                      </a:defRPr>
-                    </a:lvl6pPr>
-                    <a:lvl7pPr marL="2743200" indent="0">
-                      <a:defRPr sz="1100">
-                        <a:solidFill>
-                          <a:schemeClr val="lt1"/>
-                        </a:solidFill>
-                        <a:latin typeface="+mn-lt"/>
-                        <a:ea typeface="+mn-ea"/>
-                        <a:cs typeface="+mn-cs"/>
-                      </a:defRPr>
-                    </a:lvl7pPr>
-                    <a:lvl8pPr marL="3200400" indent="0">
-                      <a:defRPr sz="1100">
-                        <a:solidFill>
-                          <a:schemeClr val="lt1"/>
-                        </a:solidFill>
-                        <a:latin typeface="+mn-lt"/>
-                        <a:ea typeface="+mn-ea"/>
-                        <a:cs typeface="+mn-cs"/>
-                      </a:defRPr>
-                    </a:lvl8pPr>
-                    <a:lvl9pPr marL="3657600" indent="0">
-                      <a:defRPr sz="1100">
-                        <a:solidFill>
-                          <a:schemeClr val="lt1"/>
-                        </a:solidFill>
-                        <a:latin typeface="+mn-lt"/>
-                        <a:ea typeface="+mn-ea"/>
-                        <a:cs typeface="+mn-cs"/>
-                      </a:defRPr>
-                    </a:lvl9pPr>
-                  </a:lstStyle>
-                  <a:p>
-                    <a:pPr algn="ctr">
-                      <a:spcAft>
-                        <a:spcPts val="0"/>
-                      </a:spcAft>
-                    </a:pPr>
-                    <a:r>
-                      <a:rPr lang="en-US" sz="2000" b="1" dirty="0">
-                        <a:solidFill>
-                          <a:schemeClr val="tx2"/>
-                        </a:solidFill>
-                        <a:effectLst/>
-                        <a:latin typeface="Tahoma" pitchFamily="34" charset="0"/>
-                        <a:ea typeface="Tahoma" pitchFamily="34" charset="0"/>
-                        <a:cs typeface="Tahoma" pitchFamily="34" charset="0"/>
-                      </a:rPr>
-                      <a:t>IMU</a:t>
-                    </a:r>
-                  </a:p>
-                </p:txBody>
-              </p:sp>
-              <p:sp>
-                <p:nvSpPr>
-                  <p:cNvPr id="25" name="Rounded Rectangle 24"/>
-                  <p:cNvSpPr/>
-                  <p:nvPr/>
-                </p:nvSpPr>
-                <p:spPr>
-                  <a:xfrm>
-                    <a:off x="5867400" y="1355050"/>
-                    <a:ext cx="1061539" cy="516614"/>
-                  </a:xfrm>
-                  <a:prstGeom prst="roundRect">
-                    <a:avLst/>
-                  </a:prstGeom>
-                  <a:noFill/>
-                  <a:ln w="12700">
-                    <a:solidFill>
-                      <a:sysClr val="windowText" lastClr="000000"/>
-                    </a:solidFill>
-                  </a:ln>
-                  <a:effectLst>
-                    <a:outerShdw blurRad="63500" sx="102000" sy="102000" algn="ctr" rotWithShape="0">
-                      <a:prstClr val="black">
-                        <a:alpha val="40000"/>
-                      </a:prstClr>
-                    </a:outerShdw>
-                  </a:effectLst>
-                </p:spPr>
-                <p:style>
-                  <a:lnRef idx="2">
-                    <a:schemeClr val="accent1">
-                      <a:shade val="50000"/>
-                    </a:schemeClr>
-                  </a:lnRef>
-                  <a:fillRef idx="1">
-                    <a:schemeClr val="accent1"/>
-                  </a:fillRef>
-                  <a:effectRef idx="0">
-                    <a:schemeClr val="accent1"/>
-                  </a:effectRef>
-                  <a:fontRef idx="minor">
-                    <a:schemeClr val="lt1"/>
-                  </a:fontRef>
-                </p:style>
-                <p:txBody>
-                  <a:bodyPr rot="0" spcFirstLastPara="0" vert="horz" wrap="none" lIns="91440" tIns="45720" rIns="91440" bIns="45720" numCol="1" spcCol="0" rtlCol="0" fromWordArt="0" anchor="ctr" anchorCtr="0" forceAA="0" compatLnSpc="1">
-                    <a:prstTxWarp prst="textNoShape">
-                      <a:avLst/>
-                    </a:prstTxWarp>
-                    <a:normAutofit/>
-                  </a:bodyPr>
-                  <a:lstStyle>
-                    <a:lvl1pPr marL="0" indent="0">
-                      <a:defRPr sz="1100">
-                        <a:solidFill>
-                          <a:schemeClr val="lt1"/>
-                        </a:solidFill>
-                        <a:latin typeface="+mn-lt"/>
-                        <a:ea typeface="+mn-ea"/>
-                        <a:cs typeface="+mn-cs"/>
-                      </a:defRPr>
-                    </a:lvl1pPr>
-                    <a:lvl2pPr marL="457200" indent="0">
-                      <a:defRPr sz="1100">
-                        <a:solidFill>
-                          <a:schemeClr val="lt1"/>
-                        </a:solidFill>
-                        <a:latin typeface="+mn-lt"/>
-                        <a:ea typeface="+mn-ea"/>
-                        <a:cs typeface="+mn-cs"/>
-                      </a:defRPr>
-                    </a:lvl2pPr>
-                    <a:lvl3pPr marL="914400" indent="0">
-                      <a:defRPr sz="1100">
-                        <a:solidFill>
-                          <a:schemeClr val="lt1"/>
-                        </a:solidFill>
-                        <a:latin typeface="+mn-lt"/>
-                        <a:ea typeface="+mn-ea"/>
-                        <a:cs typeface="+mn-cs"/>
-                      </a:defRPr>
-                    </a:lvl3pPr>
-                    <a:lvl4pPr marL="1371600" indent="0">
-                      <a:defRPr sz="1100">
-                        <a:solidFill>
-                          <a:schemeClr val="lt1"/>
-                        </a:solidFill>
-                        <a:latin typeface="+mn-lt"/>
-                        <a:ea typeface="+mn-ea"/>
-                        <a:cs typeface="+mn-cs"/>
-                      </a:defRPr>
-                    </a:lvl4pPr>
-                    <a:lvl5pPr marL="1828800" indent="0">
-                      <a:defRPr sz="1100">
-                        <a:solidFill>
-                          <a:schemeClr val="lt1"/>
-                        </a:solidFill>
-                        <a:latin typeface="+mn-lt"/>
-                        <a:ea typeface="+mn-ea"/>
-                        <a:cs typeface="+mn-cs"/>
-                      </a:defRPr>
-                    </a:lvl5pPr>
-                    <a:lvl6pPr marL="2286000" indent="0">
-                      <a:defRPr sz="1100">
-                        <a:solidFill>
-                          <a:schemeClr val="lt1"/>
-                        </a:solidFill>
-                        <a:latin typeface="+mn-lt"/>
-                        <a:ea typeface="+mn-ea"/>
-                        <a:cs typeface="+mn-cs"/>
-                      </a:defRPr>
-                    </a:lvl6pPr>
-                    <a:lvl7pPr marL="2743200" indent="0">
-                      <a:defRPr sz="1100">
-                        <a:solidFill>
-                          <a:schemeClr val="lt1"/>
-                        </a:solidFill>
-                        <a:latin typeface="+mn-lt"/>
-                        <a:ea typeface="+mn-ea"/>
-                        <a:cs typeface="+mn-cs"/>
-                      </a:defRPr>
-                    </a:lvl7pPr>
-                    <a:lvl8pPr marL="3200400" indent="0">
-                      <a:defRPr sz="1100">
-                        <a:solidFill>
-                          <a:schemeClr val="lt1"/>
-                        </a:solidFill>
-                        <a:latin typeface="+mn-lt"/>
-                        <a:ea typeface="+mn-ea"/>
-                        <a:cs typeface="+mn-cs"/>
-                      </a:defRPr>
-                    </a:lvl8pPr>
-                    <a:lvl9pPr marL="3657600" indent="0">
-                      <a:defRPr sz="1100">
-                        <a:solidFill>
-                          <a:schemeClr val="lt1"/>
-                        </a:solidFill>
-                        <a:latin typeface="+mn-lt"/>
-                        <a:ea typeface="+mn-ea"/>
-                        <a:cs typeface="+mn-cs"/>
-                      </a:defRPr>
-                    </a:lvl9pPr>
-                  </a:lstStyle>
-                  <a:p>
-                    <a:pPr algn="ctr">
-                      <a:spcAft>
-                        <a:spcPts val="0"/>
-                      </a:spcAft>
-                    </a:pPr>
-                    <a:r>
-                      <a:rPr lang="en-US" sz="2000" b="1" dirty="0" err="1">
-                        <a:solidFill>
-                          <a:schemeClr val="tx2"/>
-                        </a:solidFill>
-                        <a:effectLst/>
-                        <a:latin typeface="Tahoma" pitchFamily="34" charset="0"/>
-                        <a:ea typeface="Tahoma" pitchFamily="34" charset="0"/>
-                        <a:cs typeface="Tahoma" pitchFamily="34" charset="0"/>
-                      </a:rPr>
-                      <a:t>Kalman</a:t>
-                    </a:r>
-                    <a:endParaRPr lang="en-US" sz="2000" b="1" dirty="0">
-                      <a:solidFill>
-                        <a:schemeClr val="tx2"/>
-                      </a:solidFill>
-                      <a:effectLst/>
-                      <a:latin typeface="Tahoma" pitchFamily="34" charset="0"/>
-                      <a:ea typeface="Tahoma" pitchFamily="34" charset="0"/>
-                      <a:cs typeface="Tahoma" pitchFamily="34" charset="0"/>
-                    </a:endParaRPr>
-                  </a:p>
-                  <a:p>
-                    <a:pPr algn="ctr">
-                      <a:spcAft>
-                        <a:spcPts val="0"/>
-                      </a:spcAft>
-                    </a:pPr>
-                    <a:r>
-                      <a:rPr lang="en-US" sz="2000" b="1" dirty="0">
-                        <a:solidFill>
-                          <a:schemeClr val="tx2"/>
-                        </a:solidFill>
-                        <a:latin typeface="Tahoma" pitchFamily="34" charset="0"/>
-                        <a:ea typeface="Tahoma" pitchFamily="34" charset="0"/>
-                        <a:cs typeface="Tahoma" pitchFamily="34" charset="0"/>
-                      </a:rPr>
-                      <a:t>Filter</a:t>
-                    </a:r>
-                    <a:endParaRPr lang="en-US" sz="2000" b="1" dirty="0">
-                      <a:solidFill>
-                        <a:schemeClr val="tx2"/>
-                      </a:solidFill>
-                      <a:effectLst/>
-                      <a:latin typeface="Tahoma" pitchFamily="34" charset="0"/>
-                      <a:ea typeface="Tahoma" pitchFamily="34" charset="0"/>
-                      <a:cs typeface="Tahoma" pitchFamily="34" charset="0"/>
-                    </a:endParaRPr>
-                  </a:p>
-                </p:txBody>
-              </p:sp>
-              <p:sp>
-                <p:nvSpPr>
-                  <p:cNvPr id="26" name="Rounded Rectangle 25"/>
-                  <p:cNvSpPr/>
-                  <p:nvPr/>
-                </p:nvSpPr>
-                <p:spPr>
-                  <a:xfrm>
-                    <a:off x="3820188" y="1184791"/>
-                    <a:ext cx="1465817" cy="783193"/>
-                  </a:xfrm>
-                  <a:prstGeom prst="roundRect">
-                    <a:avLst/>
-                  </a:prstGeom>
-                  <a:noFill/>
-                  <a:ln w="12700">
-                    <a:solidFill>
-                      <a:sysClr val="windowText" lastClr="000000"/>
-                    </a:solidFill>
-                  </a:ln>
-                  <a:effectLst>
-                    <a:outerShdw blurRad="63500" sx="102000" sy="102000" algn="ctr" rotWithShape="0">
-                      <a:prstClr val="black">
-                        <a:alpha val="40000"/>
-                      </a:prstClr>
-                    </a:outerShdw>
-                  </a:effectLst>
-                </p:spPr>
-                <p:style>
-                  <a:lnRef idx="2">
-                    <a:schemeClr val="accent1">
-                      <a:shade val="50000"/>
-                    </a:schemeClr>
-                  </a:lnRef>
-                  <a:fillRef idx="1">
-                    <a:schemeClr val="accent1"/>
-                  </a:fillRef>
-                  <a:effectRef idx="0">
-                    <a:schemeClr val="accent1"/>
-                  </a:effectRef>
-                  <a:fontRef idx="minor">
-                    <a:schemeClr val="lt1"/>
-                  </a:fontRef>
-                </p:style>
-                <p:txBody>
-                  <a:bodyPr rot="0" spcFirstLastPara="0" vert="horz" wrap="none" lIns="91440" tIns="45720" rIns="91440" bIns="45720" numCol="1" spcCol="0" rtlCol="0" fromWordArt="0" anchor="ctr" anchorCtr="0" forceAA="0" compatLnSpc="1">
-                    <a:prstTxWarp prst="textNoShape">
-                      <a:avLst/>
-                    </a:prstTxWarp>
-                    <a:normAutofit/>
-                  </a:bodyPr>
-                  <a:lstStyle>
-                    <a:lvl1pPr marL="0" indent="0">
-                      <a:defRPr sz="1100">
-                        <a:solidFill>
-                          <a:schemeClr val="lt1"/>
-                        </a:solidFill>
-                        <a:latin typeface="+mn-lt"/>
-                        <a:ea typeface="+mn-ea"/>
-                        <a:cs typeface="+mn-cs"/>
-                      </a:defRPr>
-                    </a:lvl1pPr>
-                    <a:lvl2pPr marL="457200" indent="0">
-                      <a:defRPr sz="1100">
-                        <a:solidFill>
-                          <a:schemeClr val="lt1"/>
-                        </a:solidFill>
-                        <a:latin typeface="+mn-lt"/>
-                        <a:ea typeface="+mn-ea"/>
-                        <a:cs typeface="+mn-cs"/>
-                      </a:defRPr>
-                    </a:lvl2pPr>
-                    <a:lvl3pPr marL="914400" indent="0">
-                      <a:defRPr sz="1100">
-                        <a:solidFill>
-                          <a:schemeClr val="lt1"/>
-                        </a:solidFill>
-                        <a:latin typeface="+mn-lt"/>
-                        <a:ea typeface="+mn-ea"/>
-                        <a:cs typeface="+mn-cs"/>
-                      </a:defRPr>
-                    </a:lvl3pPr>
-                    <a:lvl4pPr marL="1371600" indent="0">
-                      <a:defRPr sz="1100">
-                        <a:solidFill>
-                          <a:schemeClr val="lt1"/>
-                        </a:solidFill>
-                        <a:latin typeface="+mn-lt"/>
-                        <a:ea typeface="+mn-ea"/>
-                        <a:cs typeface="+mn-cs"/>
-                      </a:defRPr>
-                    </a:lvl4pPr>
-                    <a:lvl5pPr marL="1828800" indent="0">
-                      <a:defRPr sz="1100">
-                        <a:solidFill>
-                          <a:schemeClr val="lt1"/>
-                        </a:solidFill>
-                        <a:latin typeface="+mn-lt"/>
-                        <a:ea typeface="+mn-ea"/>
-                        <a:cs typeface="+mn-cs"/>
-                      </a:defRPr>
-                    </a:lvl5pPr>
-                    <a:lvl6pPr marL="2286000" indent="0">
-                      <a:defRPr sz="1100">
-                        <a:solidFill>
-                          <a:schemeClr val="lt1"/>
-                        </a:solidFill>
-                        <a:latin typeface="+mn-lt"/>
-                        <a:ea typeface="+mn-ea"/>
-                        <a:cs typeface="+mn-cs"/>
-                      </a:defRPr>
-                    </a:lvl6pPr>
-                    <a:lvl7pPr marL="2743200" indent="0">
-                      <a:defRPr sz="1100">
-                        <a:solidFill>
-                          <a:schemeClr val="lt1"/>
-                        </a:solidFill>
-                        <a:latin typeface="+mn-lt"/>
-                        <a:ea typeface="+mn-ea"/>
-                        <a:cs typeface="+mn-cs"/>
-                      </a:defRPr>
-                    </a:lvl7pPr>
-                    <a:lvl8pPr marL="3200400" indent="0">
-                      <a:defRPr sz="1100">
-                        <a:solidFill>
-                          <a:schemeClr val="lt1"/>
-                        </a:solidFill>
-                        <a:latin typeface="+mn-lt"/>
-                        <a:ea typeface="+mn-ea"/>
-                        <a:cs typeface="+mn-cs"/>
-                      </a:defRPr>
-                    </a:lvl8pPr>
-                    <a:lvl9pPr marL="3657600" indent="0">
-                      <a:defRPr sz="1100">
-                        <a:solidFill>
-                          <a:schemeClr val="lt1"/>
-                        </a:solidFill>
-                        <a:latin typeface="+mn-lt"/>
-                        <a:ea typeface="+mn-ea"/>
-                        <a:cs typeface="+mn-cs"/>
-                      </a:defRPr>
-                    </a:lvl9pPr>
-                  </a:lstStyle>
-                  <a:p>
-                    <a:pPr algn="ctr">
-                      <a:spcAft>
-                        <a:spcPts val="0"/>
-                      </a:spcAft>
-                    </a:pPr>
-                    <a:r>
-                      <a:rPr lang="en-US" sz="2000" b="1" dirty="0" err="1">
-                        <a:solidFill>
-                          <a:schemeClr val="tx2"/>
-                        </a:solidFill>
-                        <a:effectLst/>
-                        <a:latin typeface="Tahoma" pitchFamily="34" charset="0"/>
-                        <a:ea typeface="Tahoma" pitchFamily="34" charset="0"/>
-                        <a:cs typeface="Tahoma" pitchFamily="34" charset="0"/>
-                      </a:rPr>
-                      <a:t>Strapdown</a:t>
-                    </a:r>
-                    <a:endParaRPr lang="en-US" sz="2000" b="1" dirty="0">
-                      <a:solidFill>
-                        <a:schemeClr val="tx2"/>
-                      </a:solidFill>
-                      <a:effectLst/>
-                      <a:latin typeface="Tahoma" pitchFamily="34" charset="0"/>
-                      <a:ea typeface="Tahoma" pitchFamily="34" charset="0"/>
-                      <a:cs typeface="Tahoma" pitchFamily="34" charset="0"/>
-                    </a:endParaRPr>
-                  </a:p>
-                  <a:p>
-                    <a:pPr algn="ctr">
-                      <a:spcAft>
-                        <a:spcPts val="0"/>
-                      </a:spcAft>
-                    </a:pPr>
-                    <a:r>
-                      <a:rPr lang="en-US" sz="2000" b="1" dirty="0">
-                        <a:solidFill>
-                          <a:schemeClr val="tx2"/>
-                        </a:solidFill>
-                        <a:latin typeface="Tahoma" pitchFamily="34" charset="0"/>
-                        <a:ea typeface="Tahoma" pitchFamily="34" charset="0"/>
-                        <a:cs typeface="Tahoma" pitchFamily="34" charset="0"/>
-                      </a:rPr>
-                      <a:t>Solution</a:t>
-                    </a:r>
-                    <a:endParaRPr lang="en-US" sz="2000" b="1" dirty="0">
-                      <a:solidFill>
-                        <a:schemeClr val="tx2"/>
-                      </a:solidFill>
-                      <a:effectLst/>
-                      <a:latin typeface="Tahoma" pitchFamily="34" charset="0"/>
-                      <a:ea typeface="Tahoma" pitchFamily="34" charset="0"/>
-                      <a:cs typeface="Tahoma" pitchFamily="34" charset="0"/>
-                    </a:endParaRPr>
-                  </a:p>
-                </p:txBody>
-              </p:sp>
-              <p:cxnSp>
-                <p:nvCxnSpPr>
-                  <p:cNvPr id="29" name="Straight Arrow Connector 28"/>
-                  <p:cNvCxnSpPr/>
-                  <p:nvPr/>
-                </p:nvCxnSpPr>
-                <p:spPr>
-                  <a:xfrm flipV="1">
-                    <a:off x="3077237" y="1688450"/>
-                    <a:ext cx="742950" cy="1"/>
-                  </a:xfrm>
-                  <a:prstGeom prst="straightConnector1">
-                    <a:avLst/>
-                  </a:prstGeom>
-                  <a:ln w="57150">
-                    <a:solidFill>
-                      <a:schemeClr val="tx1"/>
-                    </a:solidFill>
-                    <a:tailEnd type="arrow"/>
-                  </a:ln>
-                </p:spPr>
-                <p:style>
-                  <a:lnRef idx="1">
-                    <a:schemeClr val="accent1"/>
-                  </a:lnRef>
-                  <a:fillRef idx="0">
-                    <a:schemeClr val="accent1"/>
-                  </a:fillRef>
-                  <a:effectRef idx="0">
-                    <a:schemeClr val="accent1"/>
-                  </a:effectRef>
-                  <a:fontRef idx="minor">
-                    <a:schemeClr val="tx1"/>
-                  </a:fontRef>
-                </p:style>
-              </p:cxnSp>
-              <p:cxnSp>
-                <p:nvCxnSpPr>
-                  <p:cNvPr id="30" name="Straight Arrow Connector 29"/>
-                  <p:cNvCxnSpPr/>
-                  <p:nvPr/>
-                </p:nvCxnSpPr>
-                <p:spPr>
-                  <a:xfrm>
-                    <a:off x="5318844" y="1617908"/>
-                    <a:ext cx="600075" cy="1"/>
-                  </a:xfrm>
-                  <a:prstGeom prst="straightConnector1">
-                    <a:avLst/>
-                  </a:prstGeom>
-                  <a:ln w="57150">
-                    <a:solidFill>
-                      <a:schemeClr val="tx1"/>
-                    </a:solidFill>
-                    <a:tailEnd type="arrow"/>
-                  </a:ln>
-                </p:spPr>
-                <p:style>
-                  <a:lnRef idx="1">
-                    <a:schemeClr val="accent1"/>
-                  </a:lnRef>
-                  <a:fillRef idx="0">
-                    <a:schemeClr val="accent1"/>
-                  </a:fillRef>
-                  <a:effectRef idx="0">
-                    <a:schemeClr val="accent1"/>
-                  </a:effectRef>
-                  <a:fontRef idx="minor">
-                    <a:schemeClr val="tx1"/>
-                  </a:fontRef>
-                </p:style>
-              </p:cxnSp>
-              <p:cxnSp>
-                <p:nvCxnSpPr>
-                  <p:cNvPr id="31" name="Straight Arrow Connector 30"/>
-                  <p:cNvCxnSpPr/>
-                  <p:nvPr/>
-                </p:nvCxnSpPr>
-                <p:spPr>
-                  <a:xfrm flipH="1">
-                    <a:off x="6886574" y="1600200"/>
-                    <a:ext cx="962025" cy="0"/>
-                  </a:xfrm>
-                  <a:prstGeom prst="straightConnector1">
-                    <a:avLst/>
-                  </a:prstGeom>
-                  <a:ln w="57150">
-                    <a:solidFill>
-                      <a:schemeClr val="tx1"/>
-                    </a:solidFill>
-                    <a:tailEnd type="arrow"/>
-                  </a:ln>
-                </p:spPr>
-                <p:style>
-                  <a:lnRef idx="1">
-                    <a:schemeClr val="accent1"/>
-                  </a:lnRef>
-                  <a:fillRef idx="0">
-                    <a:schemeClr val="accent1"/>
-                  </a:fillRef>
-                  <a:effectRef idx="0">
-                    <a:schemeClr val="accent1"/>
-                  </a:effectRef>
-                  <a:fontRef idx="minor">
-                    <a:schemeClr val="tx1"/>
-                  </a:fontRef>
-                </p:style>
-              </p:cxnSp>
-              <p:cxnSp>
-                <p:nvCxnSpPr>
-                  <p:cNvPr id="32" name="Straight Arrow Connector 31"/>
-                  <p:cNvCxnSpPr/>
-                  <p:nvPr/>
-                </p:nvCxnSpPr>
-                <p:spPr>
-                  <a:xfrm flipV="1">
-                    <a:off x="6398169" y="1001545"/>
-                    <a:ext cx="424866" cy="363651"/>
-                  </a:xfrm>
-                  <a:prstGeom prst="straightConnector1">
-                    <a:avLst/>
-                  </a:prstGeom>
-                  <a:ln w="57150">
-                    <a:solidFill>
-                      <a:schemeClr val="tx1"/>
-                    </a:solidFill>
-                    <a:tailEnd type="arrow"/>
-                  </a:ln>
-                </p:spPr>
-                <p:style>
-                  <a:lnRef idx="1">
-                    <a:schemeClr val="accent1"/>
-                  </a:lnRef>
-                  <a:fillRef idx="0">
-                    <a:schemeClr val="accent1"/>
-                  </a:fillRef>
-                  <a:effectRef idx="0">
-                    <a:schemeClr val="accent1"/>
-                  </a:effectRef>
-                  <a:fontRef idx="minor">
-                    <a:schemeClr val="tx1"/>
-                  </a:fontRef>
-                </p:style>
-              </p:cxnSp>
-              <p:sp>
-                <p:nvSpPr>
-                  <p:cNvPr id="33" name="Rounded Rectangle 32"/>
-                  <p:cNvSpPr/>
-                  <p:nvPr/>
-                </p:nvSpPr>
-                <p:spPr>
-                  <a:xfrm>
-                    <a:off x="6743699" y="256213"/>
-                    <a:ext cx="1379475" cy="735349"/>
-                  </a:xfrm>
-                  <a:prstGeom prst="roundRect">
-                    <a:avLst/>
-                  </a:prstGeom>
-                  <a:noFill/>
-                  <a:ln w="12700">
-                    <a:solidFill>
-                      <a:sysClr val="windowText" lastClr="000000"/>
-                    </a:solidFill>
-                  </a:ln>
-                  <a:effectLst>
-                    <a:outerShdw blurRad="63500" sx="102000" sy="102000" algn="ctr" rotWithShape="0">
-                      <a:prstClr val="black">
-                        <a:alpha val="40000"/>
-                      </a:prstClr>
-                    </a:outerShdw>
-                  </a:effectLst>
-                </p:spPr>
-                <p:style>
-                  <a:lnRef idx="2">
-                    <a:schemeClr val="accent1">
-                      <a:shade val="50000"/>
-                    </a:schemeClr>
-                  </a:lnRef>
-                  <a:fillRef idx="1">
-                    <a:schemeClr val="accent1"/>
-                  </a:fillRef>
-                  <a:effectRef idx="0">
-                    <a:schemeClr val="accent1"/>
-                  </a:effectRef>
-                  <a:fontRef idx="minor">
-                    <a:schemeClr val="lt1"/>
-                  </a:fontRef>
-                </p:style>
-                <p:txBody>
-                  <a:bodyPr rot="0" spcFirstLastPara="0" vert="horz" wrap="none" lIns="91440" tIns="45720" rIns="91440" bIns="45720" numCol="1" spcCol="0" rtlCol="0" fromWordArt="0" anchor="ctr" anchorCtr="0" forceAA="0" compatLnSpc="1">
-                    <a:prstTxWarp prst="textNoShape">
-                      <a:avLst/>
-                    </a:prstTxWarp>
-                    <a:normAutofit/>
-                  </a:bodyPr>
-                  <a:lstStyle>
-                    <a:lvl1pPr marL="0" indent="0">
-                      <a:defRPr sz="1100">
-                        <a:solidFill>
-                          <a:schemeClr val="lt1"/>
-                        </a:solidFill>
-                        <a:latin typeface="+mn-lt"/>
-                        <a:ea typeface="+mn-ea"/>
-                        <a:cs typeface="+mn-cs"/>
-                      </a:defRPr>
-                    </a:lvl1pPr>
-                    <a:lvl2pPr marL="457200" indent="0">
-                      <a:defRPr sz="1100">
-                        <a:solidFill>
-                          <a:schemeClr val="lt1"/>
-                        </a:solidFill>
-                        <a:latin typeface="+mn-lt"/>
-                        <a:ea typeface="+mn-ea"/>
-                        <a:cs typeface="+mn-cs"/>
-                      </a:defRPr>
-                    </a:lvl2pPr>
-                    <a:lvl3pPr marL="914400" indent="0">
-                      <a:defRPr sz="1100">
-                        <a:solidFill>
-                          <a:schemeClr val="lt1"/>
-                        </a:solidFill>
-                        <a:latin typeface="+mn-lt"/>
-                        <a:ea typeface="+mn-ea"/>
-                        <a:cs typeface="+mn-cs"/>
-                      </a:defRPr>
-                    </a:lvl3pPr>
-                    <a:lvl4pPr marL="1371600" indent="0">
-                      <a:defRPr sz="1100">
-                        <a:solidFill>
-                          <a:schemeClr val="lt1"/>
-                        </a:solidFill>
-                        <a:latin typeface="+mn-lt"/>
-                        <a:ea typeface="+mn-ea"/>
-                        <a:cs typeface="+mn-cs"/>
-                      </a:defRPr>
-                    </a:lvl4pPr>
-                    <a:lvl5pPr marL="1828800" indent="0">
-                      <a:defRPr sz="1100">
-                        <a:solidFill>
-                          <a:schemeClr val="lt1"/>
-                        </a:solidFill>
-                        <a:latin typeface="+mn-lt"/>
-                        <a:ea typeface="+mn-ea"/>
-                        <a:cs typeface="+mn-cs"/>
-                      </a:defRPr>
-                    </a:lvl5pPr>
-                    <a:lvl6pPr marL="2286000" indent="0">
-                      <a:defRPr sz="1100">
-                        <a:solidFill>
-                          <a:schemeClr val="lt1"/>
-                        </a:solidFill>
-                        <a:latin typeface="+mn-lt"/>
-                        <a:ea typeface="+mn-ea"/>
-                        <a:cs typeface="+mn-cs"/>
-                      </a:defRPr>
-                    </a:lvl6pPr>
-                    <a:lvl7pPr marL="2743200" indent="0">
-                      <a:defRPr sz="1100">
-                        <a:solidFill>
-                          <a:schemeClr val="lt1"/>
-                        </a:solidFill>
-                        <a:latin typeface="+mn-lt"/>
-                        <a:ea typeface="+mn-ea"/>
-                        <a:cs typeface="+mn-cs"/>
-                      </a:defRPr>
-                    </a:lvl7pPr>
-                    <a:lvl8pPr marL="3200400" indent="0">
-                      <a:defRPr sz="1100">
-                        <a:solidFill>
-                          <a:schemeClr val="lt1"/>
-                        </a:solidFill>
-                        <a:latin typeface="+mn-lt"/>
-                        <a:ea typeface="+mn-ea"/>
-                        <a:cs typeface="+mn-cs"/>
-                      </a:defRPr>
-                    </a:lvl8pPr>
-                    <a:lvl9pPr marL="3657600" indent="0">
-                      <a:defRPr sz="1100">
-                        <a:solidFill>
-                          <a:schemeClr val="lt1"/>
-                        </a:solidFill>
-                        <a:latin typeface="+mn-lt"/>
-                        <a:ea typeface="+mn-ea"/>
-                        <a:cs typeface="+mn-cs"/>
-                      </a:defRPr>
-                    </a:lvl9pPr>
-                  </a:lstStyle>
-                  <a:p>
-                    <a:pPr algn="ctr">
-                      <a:spcAft>
-                        <a:spcPts val="0"/>
-                      </a:spcAft>
-                    </a:pPr>
-                    <a:r>
-                      <a:rPr lang="en-US" sz="2000" b="1" dirty="0">
-                        <a:solidFill>
-                          <a:schemeClr val="tx2"/>
-                        </a:solidFill>
-                        <a:effectLst/>
-                        <a:latin typeface="Tahoma" pitchFamily="34" charset="0"/>
-                        <a:ea typeface="Tahoma" pitchFamily="34" charset="0"/>
-                        <a:cs typeface="Tahoma" pitchFamily="34" charset="0"/>
-                      </a:rPr>
-                      <a:t>Initial</a:t>
-                    </a:r>
-                  </a:p>
-                  <a:p>
-                    <a:pPr algn="ctr">
-                      <a:spcAft>
-                        <a:spcPts val="0"/>
-                      </a:spcAft>
-                    </a:pPr>
-                    <a:r>
-                      <a:rPr lang="en-US" sz="2000" b="1" dirty="0">
-                        <a:solidFill>
-                          <a:schemeClr val="tx2"/>
-                        </a:solidFill>
-                        <a:latin typeface="Tahoma" pitchFamily="34" charset="0"/>
-                        <a:ea typeface="Tahoma" pitchFamily="34" charset="0"/>
-                        <a:cs typeface="Tahoma" pitchFamily="34" charset="0"/>
-                      </a:rPr>
-                      <a:t>Conditions</a:t>
-                    </a:r>
-                    <a:endParaRPr lang="en-US" sz="2000" b="1" dirty="0">
-                      <a:solidFill>
-                        <a:schemeClr val="tx2"/>
-                      </a:solidFill>
-                      <a:effectLst/>
-                      <a:latin typeface="Tahoma" pitchFamily="34" charset="0"/>
-                      <a:ea typeface="Tahoma" pitchFamily="34" charset="0"/>
-                      <a:cs typeface="Tahoma" pitchFamily="34" charset="0"/>
-                    </a:endParaRPr>
-                  </a:p>
-                </p:txBody>
-              </p:sp>
-              <p:cxnSp>
-                <p:nvCxnSpPr>
-                  <p:cNvPr id="34" name="Straight Arrow Connector 33"/>
-                  <p:cNvCxnSpPr/>
-                  <p:nvPr/>
-                </p:nvCxnSpPr>
-                <p:spPr>
-                  <a:xfrm rot="5400000">
-                    <a:off x="5981701" y="2200276"/>
-                    <a:ext cx="666750" cy="9525"/>
-                  </a:xfrm>
-                  <a:prstGeom prst="straightConnector1">
-                    <a:avLst/>
-                  </a:prstGeom>
-                  <a:ln w="57150">
-                    <a:solidFill>
-                      <a:schemeClr val="tx1"/>
-                    </a:solidFill>
-                    <a:tailEnd type="arrow"/>
-                  </a:ln>
-                </p:spPr>
-                <p:style>
-                  <a:lnRef idx="1">
-                    <a:schemeClr val="accent1"/>
-                  </a:lnRef>
-                  <a:fillRef idx="0">
-                    <a:schemeClr val="accent1"/>
-                  </a:fillRef>
-                  <a:effectRef idx="0">
-                    <a:schemeClr val="accent1"/>
-                  </a:effectRef>
-                  <a:fontRef idx="minor">
-                    <a:schemeClr val="tx1"/>
-                  </a:fontRef>
-                </p:style>
-              </p:cxnSp>
-            </p:grpSp>
-            <p:sp>
-              <p:nvSpPr>
-                <p:cNvPr id="22" name="TextBox 23"/>
-                <p:cNvSpPr txBox="1"/>
-                <p:nvPr/>
-              </p:nvSpPr>
-              <p:spPr>
-                <a:xfrm>
-                  <a:off x="5641937" y="2538414"/>
-                  <a:ext cx="1181099" cy="571752"/>
-                </a:xfrm>
-                <a:prstGeom prst="rect">
-                  <a:avLst/>
-                </a:prstGeom>
-                <a:noFill/>
-                <a:ln w="9525" cmpd="sng">
-                  <a:noFill/>
-                </a:ln>
-              </p:spPr>
-              <p:style>
-                <a:lnRef idx="0">
-                  <a:scrgbClr r="0" g="0" b="0"/>
-                </a:lnRef>
-                <a:fillRef idx="0">
-                  <a:scrgbClr r="0" g="0" b="0"/>
-                </a:fillRef>
-                <a:effectRef idx="0">
-                  <a:scrgbClr r="0" g="0" b="0"/>
-                </a:effectRef>
-                <a:fontRef idx="minor">
-                  <a:schemeClr val="dk1"/>
-                </a:fontRef>
-              </p:style>
-              <p:txBody>
-                <a:bodyPr wrap="none" rtlCol="0" anchor="t">
-                  <a:normAutofit/>
-                </a:bodyPr>
-                <a:lstStyle>
-                  <a:lvl1pPr marL="0" indent="0">
-                    <a:defRPr sz="1100">
-                      <a:solidFill>
-                        <a:schemeClr val="dk1"/>
-                      </a:solidFill>
-                      <a:latin typeface="+mn-lt"/>
-                      <a:ea typeface="+mn-ea"/>
-                      <a:cs typeface="+mn-cs"/>
-                    </a:defRPr>
-                  </a:lvl1pPr>
-                  <a:lvl2pPr marL="457200" indent="0">
-                    <a:defRPr sz="1100">
-                      <a:solidFill>
-                        <a:schemeClr val="dk1"/>
-                      </a:solidFill>
-                      <a:latin typeface="+mn-lt"/>
-                      <a:ea typeface="+mn-ea"/>
-                      <a:cs typeface="+mn-cs"/>
-                    </a:defRPr>
-                  </a:lvl2pPr>
-                  <a:lvl3pPr marL="914400" indent="0">
-                    <a:defRPr sz="1100">
-                      <a:solidFill>
-                        <a:schemeClr val="dk1"/>
-                      </a:solidFill>
-                      <a:latin typeface="+mn-lt"/>
-                      <a:ea typeface="+mn-ea"/>
-                      <a:cs typeface="+mn-cs"/>
-                    </a:defRPr>
-                  </a:lvl3pPr>
-                  <a:lvl4pPr marL="1371600" indent="0">
-                    <a:defRPr sz="1100">
-                      <a:solidFill>
-                        <a:schemeClr val="dk1"/>
-                      </a:solidFill>
-                      <a:latin typeface="+mn-lt"/>
-                      <a:ea typeface="+mn-ea"/>
-                      <a:cs typeface="+mn-cs"/>
-                    </a:defRPr>
-                  </a:lvl4pPr>
-                  <a:lvl5pPr marL="1828800" indent="0">
-                    <a:defRPr sz="1100">
-                      <a:solidFill>
-                        <a:schemeClr val="dk1"/>
-                      </a:solidFill>
-                      <a:latin typeface="+mn-lt"/>
-                      <a:ea typeface="+mn-ea"/>
-                      <a:cs typeface="+mn-cs"/>
-                    </a:defRPr>
-                  </a:lvl5pPr>
-                  <a:lvl6pPr marL="2286000" indent="0">
-                    <a:defRPr sz="1100">
-                      <a:solidFill>
-                        <a:schemeClr val="dk1"/>
-                      </a:solidFill>
-                      <a:latin typeface="+mn-lt"/>
-                      <a:ea typeface="+mn-ea"/>
-                      <a:cs typeface="+mn-cs"/>
-                    </a:defRPr>
-                  </a:lvl6pPr>
-                  <a:lvl7pPr marL="2743200" indent="0">
-                    <a:defRPr sz="1100">
-                      <a:solidFill>
-                        <a:schemeClr val="dk1"/>
-                      </a:solidFill>
-                      <a:latin typeface="+mn-lt"/>
-                      <a:ea typeface="+mn-ea"/>
-                      <a:cs typeface="+mn-cs"/>
-                    </a:defRPr>
-                  </a:lvl7pPr>
-                  <a:lvl8pPr marL="3200400" indent="0">
-                    <a:defRPr sz="1100">
-                      <a:solidFill>
-                        <a:schemeClr val="dk1"/>
-                      </a:solidFill>
-                      <a:latin typeface="+mn-lt"/>
-                      <a:ea typeface="+mn-ea"/>
-                      <a:cs typeface="+mn-cs"/>
-                    </a:defRPr>
-                  </a:lvl8pPr>
-                  <a:lvl9pPr marL="3657600" indent="0">
-                    <a:defRPr sz="1100">
-                      <a:solidFill>
-                        <a:schemeClr val="dk1"/>
-                      </a:solidFill>
-                      <a:latin typeface="+mn-lt"/>
-                      <a:ea typeface="+mn-ea"/>
-                      <a:cs typeface="+mn-cs"/>
-                    </a:defRPr>
-                  </a:lvl9pPr>
-                </a:lstStyle>
-                <a:p>
-                  <a:pPr algn="ctr"/>
-                  <a:r>
-                    <a:rPr lang="en-US" sz="2000" b="1" dirty="0">
-                      <a:solidFill>
-                        <a:schemeClr val="tx2"/>
-                      </a:solidFill>
-                      <a:latin typeface="Tahoma" pitchFamily="34" charset="0"/>
-                      <a:ea typeface="Tahoma" pitchFamily="34" charset="0"/>
-                      <a:cs typeface="Tahoma" pitchFamily="34" charset="0"/>
-                    </a:rPr>
-                    <a:t>Integrated</a:t>
-                  </a:r>
-                </a:p>
-                <a:p>
-                  <a:pPr algn="ctr"/>
-                  <a:r>
-                    <a:rPr lang="en-US" sz="2000" b="1" dirty="0">
-                      <a:solidFill>
-                        <a:schemeClr val="tx2"/>
-                      </a:solidFill>
-                      <a:latin typeface="Tahoma" pitchFamily="34" charset="0"/>
-                      <a:ea typeface="Tahoma" pitchFamily="34" charset="0"/>
-                      <a:cs typeface="Tahoma" pitchFamily="34" charset="0"/>
-                    </a:rPr>
-                    <a:t>Solution</a:t>
-                  </a:r>
-                </a:p>
-              </p:txBody>
-            </p:sp>
-          </p:grpSp>
-        </p:grpSp>
-        <p:cxnSp>
-          <p:nvCxnSpPr>
-            <p:cNvPr id="11" name="Straight Arrow Connector 10"/>
-            <p:cNvCxnSpPr/>
-            <p:nvPr/>
-          </p:nvCxnSpPr>
-          <p:spPr>
-            <a:xfrm>
-              <a:off x="3312812" y="12355547"/>
-              <a:ext cx="1" cy="1584176"/>
-            </a:xfrm>
-            <a:prstGeom prst="straightConnector1">
-              <a:avLst/>
-            </a:prstGeom>
-            <a:ln w="57150">
-              <a:solidFill>
-                <a:schemeClr val="tx1"/>
-              </a:solidFill>
-              <a:tailEnd type="arrow"/>
-            </a:ln>
-          </p:spPr>
-          <p:style>
-            <a:lnRef idx="1">
-              <a:schemeClr val="accent1"/>
-            </a:lnRef>
-            <a:fillRef idx="0">
-              <a:schemeClr val="accent1"/>
-            </a:fillRef>
-            <a:effectRef idx="0">
-              <a:schemeClr val="accent1"/>
-            </a:effectRef>
-            <a:fontRef idx="minor">
-              <a:schemeClr val="tx1"/>
-            </a:fontRef>
-          </p:style>
-        </p:cxnSp>
-        <p:cxnSp>
-          <p:nvCxnSpPr>
-            <p:cNvPr id="12" name="Straight Connector 11"/>
-            <p:cNvCxnSpPr/>
-            <p:nvPr/>
-          </p:nvCxnSpPr>
-          <p:spPr bwMode="auto">
-            <a:xfrm flipV="1">
-              <a:off x="3312812" y="12312699"/>
-              <a:ext cx="4070092" cy="42848"/>
-            </a:xfrm>
-            <a:prstGeom prst="line">
-              <a:avLst/>
-            </a:prstGeom>
-            <a:solidFill>
-              <a:schemeClr val="accent1"/>
-            </a:solidFill>
-            <a:ln w="57150" cap="flat" cmpd="sng" algn="ctr">
-              <a:solidFill>
-                <a:schemeClr val="tx1"/>
-              </a:solidFill>
-              <a:prstDash val="solid"/>
-              <a:round/>
-              <a:headEnd type="none" w="med" len="med"/>
-              <a:tailEnd type="none" w="med" len="med"/>
-            </a:ln>
-            <a:effectLst/>
+          <a:prstGeom prst="rect">
+            <a:avLst/>
+          </a:prstGeom>
+          <a:noFill/>
+        </p:spPr>
+        <p:txBody>
+          <a:bodyPr wrap="square" rtlCol="1">
+            <a:spAutoFit/>
+          </a:bodyPr>
+          <a:lstStyle/>
+          <a:p>
+            <a:pPr algn="ctr"/>
+            <a:r>
+              <a:rPr lang="en-US" sz="5400" b="1" dirty="0">
+                <a:cs typeface="Open Sans Hebrew" panose="00000500000000000000" pitchFamily="2" charset="-79"/>
+              </a:rPr>
+              <a:t>CNN Acceleration and Simulation on an FPGA</a:t>
+            </a:r>
+          </a:p>
+          <a:p>
+            <a:pPr algn="ctr"/>
+            <a:r>
+              <a:rPr lang="en-US" sz="4400" b="1" dirty="0">
+                <a:cs typeface="Open Sans Hebrew" panose="00000500000000000000" pitchFamily="2" charset="-79"/>
+              </a:rPr>
+              <a:t>Project Number</a:t>
+            </a:r>
+            <a:r>
+              <a:rPr lang="he-IL" sz="4400" dirty="0">
+                <a:cs typeface="Open Sans Hebrew" panose="00000500000000000000" pitchFamily="2" charset="-79"/>
+              </a:rPr>
+              <a:t>:</a:t>
+            </a:r>
+            <a:r>
+              <a:rPr lang="en-US" sz="4400" dirty="0">
+                <a:cs typeface="Open Sans Hebrew" panose="00000500000000000000" pitchFamily="2" charset="-79"/>
+              </a:rPr>
+              <a:t> 20-1-1-2187</a:t>
+            </a:r>
+          </a:p>
+          <a:p>
+            <a:pPr algn="ctr"/>
+            <a:r>
+              <a:rPr lang="en-US" sz="4400" b="1" dirty="0">
+                <a:cs typeface="Open Sans Hebrew" panose="00000500000000000000" pitchFamily="2" charset="-79"/>
+              </a:rPr>
+              <a:t>Names</a:t>
+            </a:r>
+            <a:r>
+              <a:rPr lang="en-US" sz="4400" dirty="0">
+                <a:cs typeface="Open Sans Hebrew" panose="00000500000000000000" pitchFamily="2" charset="-79"/>
+              </a:rPr>
+              <a:t>: </a:t>
+            </a:r>
+            <a:r>
+              <a:rPr lang="en-US" sz="4800" dirty="0">
+                <a:cs typeface="Open Sans Hebrew" panose="00000500000000000000" pitchFamily="2" charset="-79"/>
+              </a:rPr>
+              <a:t>Chaim Gruda, Shay </a:t>
+            </a:r>
+            <a:r>
+              <a:rPr lang="en-US" sz="4800" dirty="0" err="1">
+                <a:cs typeface="Open Sans Hebrew" panose="00000500000000000000" pitchFamily="2" charset="-79"/>
+              </a:rPr>
+              <a:t>Tsabar</a:t>
+            </a:r>
+            <a:endParaRPr lang="he-IL" sz="4400" dirty="0">
+              <a:cs typeface="Open Sans Hebrew" panose="00000500000000000000" pitchFamily="2" charset="-79"/>
+            </a:endParaRPr>
+          </a:p>
+          <a:p>
+            <a:pPr algn="ctr"/>
+            <a:r>
+              <a:rPr lang="en-US" sz="4400" b="1" dirty="0">
+                <a:cs typeface="Open Sans Hebrew" panose="00000500000000000000" pitchFamily="2" charset="-79"/>
+              </a:rPr>
+              <a:t>Advisor</a:t>
+            </a:r>
+            <a:r>
+              <a:rPr lang="he-IL" sz="4400" dirty="0">
+                <a:cs typeface="Open Sans Hebrew" panose="00000500000000000000" pitchFamily="2" charset="-79"/>
+              </a:rPr>
+              <a:t>:</a:t>
+            </a:r>
+            <a:r>
+              <a:rPr lang="en-US" sz="4400" dirty="0">
+                <a:cs typeface="Open Sans Hebrew" panose="00000500000000000000" pitchFamily="2" charset="-79"/>
+              </a:rPr>
+              <a:t> Yoni Seifert</a:t>
+            </a:r>
+            <a:endParaRPr lang="he-IL" sz="4400" dirty="0">
+              <a:cs typeface="Open Sans Hebrew" panose="00000500000000000000" pitchFamily="2" charset="-79"/>
+            </a:endParaRPr>
+          </a:p>
+        </p:txBody>
+      </p:sp>
+      <p:pic>
+        <p:nvPicPr>
+          <p:cNvPr id="18" name="Picture 17" descr="Diagram&#10;&#10;Description automatically generated with low confidence">
             <a:extLst>
-              <a:ext uri="{AF507438-7753-43E0-B8FC-AC1667EBCBE1}">
-                <a14:hiddenEffects xmlns:a14="http://schemas.microsoft.com/office/drawing/2010/main">
-                  <a:effectLst>
-                    <a:outerShdw dist="35921" dir="2700000" algn="ctr" rotWithShape="0">
-                      <a:schemeClr val="bg2"/>
-                    </a:outerShdw>
-                  </a:effectLst>
-                </a14:hiddenEffects>
+              <a:ext uri="{FF2B5EF4-FFF2-40B4-BE49-F238E27FC236}">
+                <a16:creationId xmlns:a16="http://schemas.microsoft.com/office/drawing/2014/main" id="{FFB71C22-1042-4D3D-BBEB-126EB3B8596A}"/>
               </a:ext>
             </a:extLst>
-          </p:spPr>
-        </p:cxnSp>
-      </p:grpSp>
-      <p:pic>
-        <p:nvPicPr>
-          <p:cNvPr id="35" name="תמונה 38" descr="D:\Users\Roi\Downloads\allattenuationC7.png"/>
-          <p:cNvPicPr/>
+          </p:cNvPr>
+          <p:cNvPicPr>
+            <a:picLocks noChangeAspect="1"/>
+          </p:cNvPicPr>
           <p:nvPr/>
         </p:nvPicPr>
         <p:blipFill>
-          <a:blip r:embed="rId3" cstate="print">
+          <a:blip r:embed="rId3">
             <a:extLst>
               <a:ext uri="{28A0092B-C50C-407E-A947-70E740481C1C}">
                 <a14:useLocalDpi xmlns:a14="http://schemas.microsoft.com/office/drawing/2010/main" val="0"/>
               </a:ext>
             </a:extLst>
           </a:blip>
-          <a:srcRect/>
           <a:stretch>
             <a:fillRect/>
           </a:stretch>
         </p:blipFill>
-        <p:spPr bwMode="auto">
+        <p:spPr>
           <a:xfrm>
-            <a:off x="12163099" y="16373091"/>
-            <a:ext cx="11137507" cy="8415293"/>
+            <a:off x="1241923" y="15095263"/>
+            <a:ext cx="11080244" cy="4058392"/>
           </a:xfrm>
           <a:prstGeom prst="rect">
             <a:avLst/>
           </a:prstGeom>
-          <a:noFill/>
-          <a:ln>
-            <a:noFill/>
-          </a:ln>
         </p:spPr>
       </p:pic>
-      <p:graphicFrame>
-        <p:nvGraphicFramePr>
-          <p:cNvPr id="5" name="Object 4"/>
-          <p:cNvGraphicFramePr>
-            <a:graphicFrameLocks noChangeAspect="1"/>
-          </p:cNvGraphicFramePr>
-          <p:nvPr>
-            <p:extLst>
-              <p:ext uri="{D42A27DB-BD31-4B8C-83A1-F6EECF244321}">
-                <p14:modId xmlns:p14="http://schemas.microsoft.com/office/powerpoint/2010/main" val="864179075"/>
-              </p:ext>
-            </p:extLst>
-          </p:nvPr>
-        </p:nvGraphicFramePr>
-        <p:xfrm>
-          <a:off x="23299738" y="6281103"/>
-          <a:ext cx="11752262" cy="3810000"/>
-        </p:xfrm>
-        <a:graphic>
-          <a:graphicData uri="http://schemas.openxmlformats.org/presentationml/2006/ole">
-            <mc:AlternateContent xmlns:mc="http://schemas.openxmlformats.org/markup-compatibility/2006">
-              <mc:Choice xmlns:v="urn:schemas-microsoft-com:vml" Requires="v">
-                <p:oleObj name="Document" r:id="rId4" imgW="7036093" imgH="2213776" progId="Word.Document.12">
-                  <p:embed/>
-                </p:oleObj>
-              </mc:Choice>
-              <mc:Fallback>
-                <p:oleObj name="Document" r:id="rId4" imgW="7036093" imgH="2213776" progId="Word.Document.12">
-                  <p:embed/>
-                  <p:pic>
-                    <p:nvPicPr>
-                      <p:cNvPr id="0" name=""/>
-                      <p:cNvPicPr/>
-                      <p:nvPr/>
-                    </p:nvPicPr>
-                    <p:blipFill>
-                      <a:blip r:embed="rId5"/>
-                      <a:stretch>
-                        <a:fillRect/>
-                      </a:stretch>
-                    </p:blipFill>
-                    <p:spPr>
-                      <a:xfrm>
-                        <a:off x="23299738" y="6281103"/>
-                        <a:ext cx="11752262" cy="3810000"/>
-                      </a:xfrm>
-                      <a:prstGeom prst="rect">
-                        <a:avLst/>
-                      </a:prstGeom>
-                    </p:spPr>
-                  </p:pic>
-                </p:oleObj>
-              </mc:Fallback>
-            </mc:AlternateContent>
-          </a:graphicData>
-        </a:graphic>
-      </p:graphicFrame>
       <p:pic>
         <p:nvPicPr>
-          <p:cNvPr id="27" name="תמונה 36"/>
-          <p:cNvPicPr/>
+          <p:cNvPr id="24" name="Picture 23" descr="Diagram&#10;&#10;Description automatically generated">
+            <a:extLst>
+              <a:ext uri="{FF2B5EF4-FFF2-40B4-BE49-F238E27FC236}">
+                <a16:creationId xmlns:a16="http://schemas.microsoft.com/office/drawing/2014/main" id="{1272E254-F3F5-4A7A-8BC6-B84CDCFF0083}"/>
+              </a:ext>
+            </a:extLst>
+          </p:cNvPr>
+          <p:cNvPicPr>
+            <a:picLocks noChangeAspect="1"/>
+          </p:cNvPicPr>
           <p:nvPr/>
         </p:nvPicPr>
         <p:blipFill>
-          <a:blip r:embed="rId6" cstate="print">
+          <a:blip r:embed="rId4">
             <a:extLst>
               <a:ext uri="{28A0092B-C50C-407E-A947-70E740481C1C}">
                 <a14:useLocalDpi xmlns:a14="http://schemas.microsoft.com/office/drawing/2010/main" val="0"/>
               </a:ext>
             </a:extLst>
           </a:blip>
-          <a:srcRect/>
           <a:stretch>
             <a:fillRect/>
           </a:stretch>
         </p:blipFill>
-        <p:spPr bwMode="auto">
+        <p:spPr>
           <a:xfrm>
-            <a:off x="24232675" y="10022002"/>
-            <a:ext cx="10453008" cy="6695679"/>
+            <a:off x="11809010" y="8658890"/>
+            <a:ext cx="11706225" cy="7572375"/>
           </a:xfrm>
           <a:prstGeom prst="rect">
             <a:avLst/>
           </a:prstGeom>
-          <a:noFill/>
+        </p:spPr>
+      </p:pic>
+      <p:pic>
+        <p:nvPicPr>
+          <p:cNvPr id="28" name="Picture 27" descr="Timeline&#10;&#10;Description automatically generated">
+            <a:extLst>
+              <a:ext uri="{FF2B5EF4-FFF2-40B4-BE49-F238E27FC236}">
+                <a16:creationId xmlns:a16="http://schemas.microsoft.com/office/drawing/2014/main" id="{385AD2FC-DCB2-4E2F-88AF-C60BFC80B185}"/>
+              </a:ext>
+            </a:extLst>
+          </p:cNvPr>
+          <p:cNvPicPr>
+            <a:picLocks noChangeAspect="1"/>
+          </p:cNvPicPr>
+          <p:nvPr/>
+        </p:nvPicPr>
+        <p:blipFill rotWithShape="1">
+          <a:blip r:embed="rId5">
+            <a:extLst>
+              <a:ext uri="{28A0092B-C50C-407E-A947-70E740481C1C}">
+                <a14:useLocalDpi xmlns:a14="http://schemas.microsoft.com/office/drawing/2010/main" val="0"/>
+              </a:ext>
+            </a:extLst>
+          </a:blip>
+          <a:srcRect l="1635" t="5424" r="2302" b="4922"/>
+          <a:stretch/>
+        </p:blipFill>
+        <p:spPr>
+          <a:xfrm>
+            <a:off x="24339309" y="6742799"/>
+            <a:ext cx="10406777" cy="3480079"/>
+          </a:xfrm>
+          <a:prstGeom prst="rect">
+            <a:avLst/>
+          </a:prstGeom>
           <a:ln>
-            <a:noFill/>
+            <a:solidFill>
+              <a:schemeClr val="tx1"/>
+            </a:solidFill>
+          </a:ln>
+        </p:spPr>
+      </p:pic>
+      <p:pic>
+        <p:nvPicPr>
+          <p:cNvPr id="32" name="Picture 31" descr="Chart, line chart&#10;&#10;Description automatically generated">
+            <a:extLst>
+              <a:ext uri="{FF2B5EF4-FFF2-40B4-BE49-F238E27FC236}">
+                <a16:creationId xmlns:a16="http://schemas.microsoft.com/office/drawing/2014/main" id="{7A37917C-1E5C-4251-AF72-4286EFC2F7BD}"/>
+              </a:ext>
+            </a:extLst>
+          </p:cNvPr>
+          <p:cNvPicPr>
+            <a:picLocks noChangeAspect="1"/>
+          </p:cNvPicPr>
+          <p:nvPr/>
+        </p:nvPicPr>
+        <p:blipFill rotWithShape="1">
+          <a:blip r:embed="rId6">
+            <a:extLst>
+              <a:ext uri="{28A0092B-C50C-407E-A947-70E740481C1C}">
+                <a14:useLocalDpi xmlns:a14="http://schemas.microsoft.com/office/drawing/2010/main" val="0"/>
+              </a:ext>
+            </a:extLst>
+          </a:blip>
+          <a:srcRect l="2377" t="3989" r="3876" b="4918"/>
+          <a:stretch/>
+        </p:blipFill>
+        <p:spPr>
+          <a:xfrm>
+            <a:off x="24339309" y="12599987"/>
+            <a:ext cx="10406777" cy="6112372"/>
+          </a:xfrm>
+          <a:prstGeom prst="rect">
+            <a:avLst/>
+          </a:prstGeom>
+          <a:ln>
+            <a:solidFill>
+              <a:schemeClr val="tx1"/>
+            </a:solidFill>
           </a:ln>
         </p:spPr>
       </p:pic>

--- a/Documents/Poster template.pptx
+++ b/Documents/Poster template.pptx
@@ -243,7 +243,7 @@
           <a:p>
             <a:fld id="{EBC92114-2DE2-4DBD-88F5-EC34E326FC88}" type="datetimeFigureOut">
               <a:rPr lang="he-IL" smtClean="0"/>
-              <a:t>י"ד/אייר/תשפ"א</a:t>
+              <a:t>י"ט/אייר/תשפ"א</a:t>
             </a:fld>
             <a:endParaRPr lang="he-IL"/>
           </a:p>
@@ -413,7 +413,7 @@
           <a:p>
             <a:fld id="{EBC92114-2DE2-4DBD-88F5-EC34E326FC88}" type="datetimeFigureOut">
               <a:rPr lang="he-IL" smtClean="0"/>
-              <a:t>י"ד/אייר/תשפ"א</a:t>
+              <a:t>י"ט/אייר/תשפ"א</a:t>
             </a:fld>
             <a:endParaRPr lang="he-IL"/>
           </a:p>
@@ -593,7 +593,7 @@
           <a:p>
             <a:fld id="{EBC92114-2DE2-4DBD-88F5-EC34E326FC88}" type="datetimeFigureOut">
               <a:rPr lang="he-IL" smtClean="0"/>
-              <a:t>י"ד/אייר/תשפ"א</a:t>
+              <a:t>י"ט/אייר/תשפ"א</a:t>
             </a:fld>
             <a:endParaRPr lang="he-IL"/>
           </a:p>
@@ -763,7 +763,7 @@
           <a:p>
             <a:fld id="{EBC92114-2DE2-4DBD-88F5-EC34E326FC88}" type="datetimeFigureOut">
               <a:rPr lang="he-IL" smtClean="0"/>
-              <a:t>י"ד/אייר/תשפ"א</a:t>
+              <a:t>י"ט/אייר/תשפ"א</a:t>
             </a:fld>
             <a:endParaRPr lang="he-IL"/>
           </a:p>
@@ -1007,7 +1007,7 @@
           <a:p>
             <a:fld id="{EBC92114-2DE2-4DBD-88F5-EC34E326FC88}" type="datetimeFigureOut">
               <a:rPr lang="he-IL" smtClean="0"/>
-              <a:t>י"ד/אייר/תשפ"א</a:t>
+              <a:t>י"ט/אייר/תשפ"א</a:t>
             </a:fld>
             <a:endParaRPr lang="he-IL"/>
           </a:p>
@@ -1239,7 +1239,7 @@
           <a:p>
             <a:fld id="{EBC92114-2DE2-4DBD-88F5-EC34E326FC88}" type="datetimeFigureOut">
               <a:rPr lang="he-IL" smtClean="0"/>
-              <a:t>י"ד/אייר/תשפ"א</a:t>
+              <a:t>י"ט/אייר/תשפ"א</a:t>
             </a:fld>
             <a:endParaRPr lang="he-IL"/>
           </a:p>
@@ -1606,7 +1606,7 @@
           <a:p>
             <a:fld id="{EBC92114-2DE2-4DBD-88F5-EC34E326FC88}" type="datetimeFigureOut">
               <a:rPr lang="he-IL" smtClean="0"/>
-              <a:t>י"ד/אייר/תשפ"א</a:t>
+              <a:t>י"ט/אייר/תשפ"א</a:t>
             </a:fld>
             <a:endParaRPr lang="he-IL"/>
           </a:p>
@@ -1724,7 +1724,7 @@
           <a:p>
             <a:fld id="{EBC92114-2DE2-4DBD-88F5-EC34E326FC88}" type="datetimeFigureOut">
               <a:rPr lang="he-IL" smtClean="0"/>
-              <a:t>י"ד/אייר/תשפ"א</a:t>
+              <a:t>י"ט/אייר/תשפ"א</a:t>
             </a:fld>
             <a:endParaRPr lang="he-IL"/>
           </a:p>
@@ -1819,7 +1819,7 @@
           <a:p>
             <a:fld id="{EBC92114-2DE2-4DBD-88F5-EC34E326FC88}" type="datetimeFigureOut">
               <a:rPr lang="he-IL" smtClean="0"/>
-              <a:t>י"ד/אייר/תשפ"א</a:t>
+              <a:t>י"ט/אייר/תשפ"א</a:t>
             </a:fld>
             <a:endParaRPr lang="he-IL"/>
           </a:p>
@@ -2096,7 +2096,7 @@
           <a:p>
             <a:fld id="{EBC92114-2DE2-4DBD-88F5-EC34E326FC88}" type="datetimeFigureOut">
               <a:rPr lang="he-IL" smtClean="0"/>
-              <a:t>י"ד/אייר/תשפ"א</a:t>
+              <a:t>י"ט/אייר/תשפ"א</a:t>
             </a:fld>
             <a:endParaRPr lang="he-IL"/>
           </a:p>
@@ -2353,7 +2353,7 @@
           <a:p>
             <a:fld id="{EBC92114-2DE2-4DBD-88F5-EC34E326FC88}" type="datetimeFigureOut">
               <a:rPr lang="he-IL" smtClean="0"/>
-              <a:t>י"ד/אייר/תשפ"א</a:t>
+              <a:t>י"ט/אייר/תשפ"א</a:t>
             </a:fld>
             <a:endParaRPr lang="he-IL"/>
           </a:p>
@@ -2566,7 +2566,7 @@
           <a:p>
             <a:fld id="{EBC92114-2DE2-4DBD-88F5-EC34E326FC88}" type="datetimeFigureOut">
               <a:rPr lang="he-IL" smtClean="0"/>
-              <a:t>י"ד/אייר/תשפ"א</a:t>
+              <a:t>י"ט/אייר/תשפ"א</a:t>
             </a:fld>
             <a:endParaRPr lang="he-IL"/>
           </a:p>
@@ -2980,7 +2980,7 @@
           <p:nvPr>
             <p:extLst>
               <p:ext uri="{D42A27DB-BD31-4B8C-83A1-F6EECF244321}">
-                <p14:modId xmlns:p14="http://schemas.microsoft.com/office/powerpoint/2010/main" val="1982698710"/>
+                <p14:modId xmlns:p14="http://schemas.microsoft.com/office/powerpoint/2010/main" val="432591438"/>
               </p:ext>
             </p:extLst>
           </p:nvPr>
@@ -3930,118 +3930,6 @@
                         </a:rPr>
                         <a:t>Results</a:t>
                       </a:r>
-                    </a:p>
-                    <a:p>
-                      <a:pPr marL="0" marR="0" lvl="0" indent="0" algn="l" defTabSz="2519995" rtl="0" eaLnBrk="1" fontAlgn="auto" latinLnBrk="0" hangingPunct="1">
-                        <a:lnSpc>
-                          <a:spcPct val="100000"/>
-                        </a:lnSpc>
-                        <a:spcBef>
-                          <a:spcPts val="0"/>
-                        </a:spcBef>
-                        <a:spcAft>
-                          <a:spcPts val="0"/>
-                        </a:spcAft>
-                        <a:buClrTx/>
-                        <a:buSzTx/>
-                        <a:buFontTx/>
-                        <a:buNone/>
-                        <a:tabLst/>
-                        <a:defRPr/>
-                      </a:pPr>
-                      <a:endParaRPr lang="en-US" sz="5400" b="1" kern="1200" dirty="0">
-                        <a:solidFill>
-                          <a:schemeClr val="tx1"/>
-                        </a:solidFill>
-                        <a:effectLst/>
-                        <a:latin typeface="+mn-lt"/>
-                        <a:ea typeface="+mn-ea"/>
-                        <a:cs typeface="Open Sans Hebrew" panose="00000500000000000000" pitchFamily="2" charset="-79"/>
-                      </a:endParaRPr>
-                    </a:p>
-                    <a:p>
-                      <a:pPr marL="0" marR="0" lvl="0" indent="0" algn="l" defTabSz="2519995" rtl="0" eaLnBrk="1" fontAlgn="auto" latinLnBrk="0" hangingPunct="1">
-                        <a:lnSpc>
-                          <a:spcPct val="100000"/>
-                        </a:lnSpc>
-                        <a:spcBef>
-                          <a:spcPts val="0"/>
-                        </a:spcBef>
-                        <a:spcAft>
-                          <a:spcPts val="0"/>
-                        </a:spcAft>
-                        <a:buClrTx/>
-                        <a:buSzTx/>
-                        <a:buFontTx/>
-                        <a:buNone/>
-                        <a:tabLst/>
-                        <a:defRPr/>
-                      </a:pPr>
-                      <a:endParaRPr lang="en-US" sz="5400" b="1" kern="1200" dirty="0">
-                        <a:solidFill>
-                          <a:schemeClr val="tx1"/>
-                        </a:solidFill>
-                        <a:effectLst/>
-                        <a:latin typeface="+mn-lt"/>
-                        <a:ea typeface="+mn-ea"/>
-                        <a:cs typeface="Open Sans Hebrew" panose="00000500000000000000" pitchFamily="2" charset="-79"/>
-                      </a:endParaRPr>
-                    </a:p>
-                    <a:p>
-                      <a:pPr marL="0" marR="0" lvl="0" indent="0" algn="l" defTabSz="2519995" rtl="0" eaLnBrk="1" fontAlgn="auto" latinLnBrk="0" hangingPunct="1">
-                        <a:lnSpc>
-                          <a:spcPct val="100000"/>
-                        </a:lnSpc>
-                        <a:spcBef>
-                          <a:spcPts val="0"/>
-                        </a:spcBef>
-                        <a:spcAft>
-                          <a:spcPts val="0"/>
-                        </a:spcAft>
-                        <a:buClrTx/>
-                        <a:buSzTx/>
-                        <a:buFontTx/>
-                        <a:buNone/>
-                        <a:tabLst/>
-                        <a:defRPr/>
-                      </a:pPr>
-                      <a:endParaRPr lang="en-US" sz="5400" b="1" kern="1200" dirty="0">
-                        <a:solidFill>
-                          <a:schemeClr val="tx1"/>
-                        </a:solidFill>
-                        <a:effectLst/>
-                        <a:latin typeface="+mn-lt"/>
-                        <a:ea typeface="+mn-ea"/>
-                        <a:cs typeface="Open Sans Hebrew" panose="00000500000000000000" pitchFamily="2" charset="-79"/>
-                      </a:endParaRPr>
-                    </a:p>
-                    <a:p>
-                      <a:pPr marL="0" marR="0" lvl="0" indent="0" algn="l" defTabSz="2519995" rtl="0" eaLnBrk="1" fontAlgn="auto" latinLnBrk="0" hangingPunct="1">
-                        <a:lnSpc>
-                          <a:spcPct val="100000"/>
-                        </a:lnSpc>
-                        <a:spcBef>
-                          <a:spcPts val="0"/>
-                        </a:spcBef>
-                        <a:spcAft>
-                          <a:spcPts val="0"/>
-                        </a:spcAft>
-                        <a:buClrTx/>
-                        <a:buSzTx/>
-                        <a:buFontTx/>
-                        <a:buNone/>
-                        <a:tabLst/>
-                        <a:defRPr/>
-                      </a:pPr>
-                      <a:endParaRPr lang="en-US" sz="5400" b="1" kern="1200" dirty="0">
-                        <a:solidFill>
-                          <a:schemeClr val="tx1"/>
-                        </a:solidFill>
-                        <a:effectLst/>
-                        <a:latin typeface="+mn-lt"/>
-                        <a:ea typeface="+mn-ea"/>
-                        <a:cs typeface="Open Sans Hebrew" panose="00000500000000000000" pitchFamily="2" charset="-79"/>
-                      </a:endParaRPr>
                     </a:p>
                     <a:p>
                       <a:pPr marL="0" marR="0" lvl="0" indent="0" algn="l" defTabSz="2519995" rtl="0" eaLnBrk="1" fontAlgn="auto" latinLnBrk="0" hangingPunct="1">
@@ -4754,46 +4642,6 @@
           <a:xfrm>
             <a:off x="24339309" y="6742799"/>
             <a:ext cx="10406777" cy="3480079"/>
-          </a:xfrm>
-          <a:prstGeom prst="rect">
-            <a:avLst/>
-          </a:prstGeom>
-          <a:ln>
-            <a:solidFill>
-              <a:schemeClr val="tx1"/>
-            </a:solidFill>
-          </a:ln>
-        </p:spPr>
-      </p:pic>
-      <p:pic>
-        <p:nvPicPr>
-          <p:cNvPr id="32" name="Picture 31" descr="Chart, line chart&#10;&#10;Description automatically generated">
-            <a:extLst>
-              <a:ext uri="{FF2B5EF4-FFF2-40B4-BE49-F238E27FC236}">
-                <a16:creationId xmlns:a16="http://schemas.microsoft.com/office/drawing/2014/main" id="{7A37917C-1E5C-4251-AF72-4286EFC2F7BD}"/>
-              </a:ext>
-            </a:extLst>
-          </p:cNvPr>
-          <p:cNvPicPr>
-            <a:picLocks noChangeAspect="1"/>
-          </p:cNvPicPr>
-          <p:nvPr/>
-        </p:nvPicPr>
-        <p:blipFill rotWithShape="1">
-          <a:blip r:embed="rId6">
-            <a:extLst>
-              <a:ext uri="{28A0092B-C50C-407E-A947-70E740481C1C}">
-                <a14:useLocalDpi xmlns:a14="http://schemas.microsoft.com/office/drawing/2010/main" val="0"/>
-              </a:ext>
-            </a:extLst>
-          </a:blip>
-          <a:srcRect l="2377" t="3989" r="3876" b="4918"/>
-          <a:stretch/>
-        </p:blipFill>
-        <p:spPr>
-          <a:xfrm>
-            <a:off x="24339309" y="12599987"/>
-            <a:ext cx="10406777" cy="6112372"/>
           </a:xfrm>
           <a:prstGeom prst="rect">
             <a:avLst/>
